--- a/Presentation.pptx
+++ b/Presentation.pptx
@@ -14,12 +14,17 @@
     <p:sldId id="262" r:id="rId8"/>
     <p:sldId id="263" r:id="rId9"/>
     <p:sldId id="264" r:id="rId10"/>
-    <p:sldId id="265" r:id="rId11"/>
-    <p:sldId id="266" r:id="rId12"/>
-    <p:sldId id="267" r:id="rId13"/>
-    <p:sldId id="268" r:id="rId14"/>
-    <p:sldId id="269" r:id="rId15"/>
-    <p:sldId id="270" r:id="rId16"/>
+    <p:sldId id="271" r:id="rId11"/>
+    <p:sldId id="272" r:id="rId12"/>
+    <p:sldId id="273" r:id="rId13"/>
+    <p:sldId id="265" r:id="rId14"/>
+    <p:sldId id="266" r:id="rId15"/>
+    <p:sldId id="267" r:id="rId16"/>
+    <p:sldId id="268" r:id="rId17"/>
+    <p:sldId id="275" r:id="rId18"/>
+    <p:sldId id="274" r:id="rId19"/>
+    <p:sldId id="269" r:id="rId20"/>
+    <p:sldId id="270" r:id="rId21"/>
   </p:sldIdLst>
   <p:sldSz cx="12192000" cy="6858000"/>
   <p:notesSz cx="6858000" cy="9144000"/>
@@ -177,8 +182,8 @@
           </a:prstGeom>
           <a:noFill/>
           <a:extLst>
-            <a:ext uri="{909E8E84-426E-40dd-AFC4-6F175D3DCCD1}">
-              <a14:hiddenFill xmlns:a14="http://schemas.microsoft.com/office/drawing/2010/main" xmlns="">
+            <a:ext uri="{909E8E84-426E-40DD-AFC4-6F175D3DCCD1}">
+              <a14:hiddenFill xmlns:a14="http://schemas.microsoft.com/office/drawing/2010/main">
                 <a:solidFill>
                   <a:srgbClr val="FFFFFF"/>
                 </a:solidFill>
@@ -236,8 +241,8 @@
               <a:noFill/>
             </a:ln>
             <a:extLst>
-              <a:ext uri="{91240B29-F687-4f45-9708-019B960494DF}">
-                <a14:hiddenLine xmlns:a14="http://schemas.microsoft.com/office/drawing/2010/main" xmlns="" w="9525">
+              <a:ext uri="{91240B29-F687-4F45-9708-019B960494DF}">
+                <a14:hiddenLine xmlns:a14="http://schemas.microsoft.com/office/drawing/2010/main" w="9525">
                   <a:solidFill>
                     <a:srgbClr val="000000"/>
                   </a:solidFill>
@@ -326,8 +331,8 @@
               <a:noFill/>
             </a:ln>
             <a:extLst>
-              <a:ext uri="{91240B29-F687-4f45-9708-019B960494DF}">
-                <a14:hiddenLine xmlns:a14="http://schemas.microsoft.com/office/drawing/2010/main" xmlns="" w="9525">
+              <a:ext uri="{91240B29-F687-4F45-9708-019B960494DF}">
+                <a14:hiddenLine xmlns:a14="http://schemas.microsoft.com/office/drawing/2010/main" w="9525">
                   <a:solidFill>
                     <a:srgbClr val="000000"/>
                   </a:solidFill>
@@ -416,8 +421,8 @@
               <a:noFill/>
             </a:ln>
             <a:extLst>
-              <a:ext uri="{91240B29-F687-4f45-9708-019B960494DF}">
-                <a14:hiddenLine xmlns:a14="http://schemas.microsoft.com/office/drawing/2010/main" xmlns="" w="9525">
+              <a:ext uri="{91240B29-F687-4F45-9708-019B960494DF}">
+                <a14:hiddenLine xmlns:a14="http://schemas.microsoft.com/office/drawing/2010/main" w="9525">
                   <a:solidFill>
                     <a:srgbClr val="000000"/>
                   </a:solidFill>
@@ -450,8 +455,8 @@
               <a:noFill/>
             </a:ln>
             <a:extLst>
-              <a:ext uri="{91240B29-F687-4f45-9708-019B960494DF}">
-                <a14:hiddenLine xmlns:a14="http://schemas.microsoft.com/office/drawing/2010/main" xmlns="" w="9525">
+              <a:ext uri="{91240B29-F687-4F45-9708-019B960494DF}">
+                <a14:hiddenLine xmlns:a14="http://schemas.microsoft.com/office/drawing/2010/main" w="9525">
                   <a:solidFill>
                     <a:srgbClr val="000000"/>
                   </a:solidFill>
@@ -540,8 +545,8 @@
               <a:noFill/>
             </a:ln>
             <a:extLst>
-              <a:ext uri="{91240B29-F687-4f45-9708-019B960494DF}">
-                <a14:hiddenLine xmlns:a14="http://schemas.microsoft.com/office/drawing/2010/main" xmlns="" w="9525">
+              <a:ext uri="{91240B29-F687-4F45-9708-019B960494DF}">
+                <a14:hiddenLine xmlns:a14="http://schemas.microsoft.com/office/drawing/2010/main" w="9525">
                   <a:solidFill>
                     <a:srgbClr val="000000"/>
                   </a:solidFill>
@@ -602,8 +607,8 @@
               <a:noFill/>
             </a:ln>
             <a:extLst>
-              <a:ext uri="{91240B29-F687-4f45-9708-019B960494DF}">
-                <a14:hiddenLine xmlns:a14="http://schemas.microsoft.com/office/drawing/2010/main" xmlns="" w="9525">
+              <a:ext uri="{91240B29-F687-4F45-9708-019B960494DF}">
+                <a14:hiddenLine xmlns:a14="http://schemas.microsoft.com/office/drawing/2010/main" w="9525">
                   <a:solidFill>
                     <a:srgbClr val="000000"/>
                   </a:solidFill>
@@ -664,8 +669,8 @@
               <a:noFill/>
             </a:ln>
             <a:extLst>
-              <a:ext uri="{91240B29-F687-4f45-9708-019B960494DF}">
-                <a14:hiddenLine xmlns:a14="http://schemas.microsoft.com/office/drawing/2010/main" xmlns="" w="9525">
+              <a:ext uri="{91240B29-F687-4F45-9708-019B960494DF}">
+                <a14:hiddenLine xmlns:a14="http://schemas.microsoft.com/office/drawing/2010/main" w="9525">
                   <a:solidFill>
                     <a:srgbClr val="000000"/>
                   </a:solidFill>
@@ -754,8 +759,8 @@
               <a:noFill/>
             </a:ln>
             <a:extLst>
-              <a:ext uri="{91240B29-F687-4f45-9708-019B960494DF}">
-                <a14:hiddenLine xmlns:a14="http://schemas.microsoft.com/office/drawing/2010/main" xmlns="" w="9525">
+              <a:ext uri="{91240B29-F687-4F45-9708-019B960494DF}">
+                <a14:hiddenLine xmlns:a14="http://schemas.microsoft.com/office/drawing/2010/main" w="9525">
                   <a:solidFill>
                     <a:srgbClr val="000000"/>
                   </a:solidFill>
@@ -816,8 +821,8 @@
               <a:noFill/>
             </a:ln>
             <a:extLst>
-              <a:ext uri="{91240B29-F687-4f45-9708-019B960494DF}">
-                <a14:hiddenLine xmlns:a14="http://schemas.microsoft.com/office/drawing/2010/main" xmlns="" w="9525">
+              <a:ext uri="{91240B29-F687-4F45-9708-019B960494DF}">
+                <a14:hiddenLine xmlns:a14="http://schemas.microsoft.com/office/drawing/2010/main" w="9525">
                   <a:solidFill>
                     <a:srgbClr val="000000"/>
                   </a:solidFill>
@@ -878,8 +883,8 @@
               <a:noFill/>
             </a:ln>
             <a:extLst>
-              <a:ext uri="{91240B29-F687-4f45-9708-019B960494DF}">
-                <a14:hiddenLine xmlns:a14="http://schemas.microsoft.com/office/drawing/2010/main" xmlns="" w="9525">
+              <a:ext uri="{91240B29-F687-4F45-9708-019B960494DF}">
+                <a14:hiddenLine xmlns:a14="http://schemas.microsoft.com/office/drawing/2010/main" w="9525">
                   <a:solidFill>
                     <a:srgbClr val="000000"/>
                   </a:solidFill>
@@ -968,8 +973,8 @@
               <a:noFill/>
             </a:ln>
             <a:extLst>
-              <a:ext uri="{91240B29-F687-4f45-9708-019B960494DF}">
-                <a14:hiddenLine xmlns:a14="http://schemas.microsoft.com/office/drawing/2010/main" xmlns="" w="9525">
+              <a:ext uri="{91240B29-F687-4F45-9708-019B960494DF}">
+                <a14:hiddenLine xmlns:a14="http://schemas.microsoft.com/office/drawing/2010/main" w="9525">
                   <a:solidFill>
                     <a:srgbClr val="000000"/>
                   </a:solidFill>
@@ -1058,8 +1063,8 @@
               <a:noFill/>
             </a:ln>
             <a:extLst>
-              <a:ext uri="{91240B29-F687-4f45-9708-019B960494DF}">
-                <a14:hiddenLine xmlns:a14="http://schemas.microsoft.com/office/drawing/2010/main" xmlns="" w="9525">
+              <a:ext uri="{91240B29-F687-4F45-9708-019B960494DF}">
+                <a14:hiddenLine xmlns:a14="http://schemas.microsoft.com/office/drawing/2010/main" w="9525">
                   <a:solidFill>
                     <a:srgbClr val="000000"/>
                   </a:solidFill>
@@ -1120,8 +1125,8 @@
               <a:noFill/>
             </a:ln>
             <a:extLst>
-              <a:ext uri="{91240B29-F687-4f45-9708-019B960494DF}">
-                <a14:hiddenLine xmlns:a14="http://schemas.microsoft.com/office/drawing/2010/main" xmlns="" w="9525">
+              <a:ext uri="{91240B29-F687-4F45-9708-019B960494DF}">
+                <a14:hiddenLine xmlns:a14="http://schemas.microsoft.com/office/drawing/2010/main" w="9525">
                   <a:solidFill>
                     <a:srgbClr val="000000"/>
                   </a:solidFill>
@@ -1230,8 +1235,8 @@
               <a:noFill/>
             </a:ln>
             <a:extLst>
-              <a:ext uri="{91240B29-F687-4f45-9708-019B960494DF}">
-                <a14:hiddenLine xmlns:a14="http://schemas.microsoft.com/office/drawing/2010/main" xmlns="" w="9525">
+              <a:ext uri="{91240B29-F687-4F45-9708-019B960494DF}">
+                <a14:hiddenLine xmlns:a14="http://schemas.microsoft.com/office/drawing/2010/main" w="9525">
                   <a:solidFill>
                     <a:srgbClr val="000000"/>
                   </a:solidFill>
@@ -1292,8 +1297,8 @@
               <a:noFill/>
             </a:ln>
             <a:extLst>
-              <a:ext uri="{91240B29-F687-4f45-9708-019B960494DF}">
-                <a14:hiddenLine xmlns:a14="http://schemas.microsoft.com/office/drawing/2010/main" xmlns="" w="9525">
+              <a:ext uri="{91240B29-F687-4F45-9708-019B960494DF}">
+                <a14:hiddenLine xmlns:a14="http://schemas.microsoft.com/office/drawing/2010/main" w="9525">
                   <a:solidFill>
                     <a:srgbClr val="000000"/>
                   </a:solidFill>
@@ -1382,8 +1387,8 @@
               <a:noFill/>
             </a:ln>
             <a:extLst>
-              <a:ext uri="{91240B29-F687-4f45-9708-019B960494DF}">
-                <a14:hiddenLine xmlns:a14="http://schemas.microsoft.com/office/drawing/2010/main" xmlns="" w="9525">
+              <a:ext uri="{91240B29-F687-4F45-9708-019B960494DF}">
+                <a14:hiddenLine xmlns:a14="http://schemas.microsoft.com/office/drawing/2010/main" w="9525">
                   <a:solidFill>
                     <a:srgbClr val="000000"/>
                   </a:solidFill>
@@ -1472,8 +1477,8 @@
               <a:noFill/>
             </a:ln>
             <a:extLst>
-              <a:ext uri="{91240B29-F687-4f45-9708-019B960494DF}">
-                <a14:hiddenLine xmlns:a14="http://schemas.microsoft.com/office/drawing/2010/main" xmlns="" w="9525">
+              <a:ext uri="{91240B29-F687-4F45-9708-019B960494DF}">
+                <a14:hiddenLine xmlns:a14="http://schemas.microsoft.com/office/drawing/2010/main" w="9525">
                   <a:solidFill>
                     <a:srgbClr val="000000"/>
                   </a:solidFill>
@@ -1534,8 +1539,8 @@
               <a:noFill/>
             </a:ln>
             <a:extLst>
-              <a:ext uri="{91240B29-F687-4f45-9708-019B960494DF}">
-                <a14:hiddenLine xmlns:a14="http://schemas.microsoft.com/office/drawing/2010/main" xmlns="" w="9525">
+              <a:ext uri="{91240B29-F687-4F45-9708-019B960494DF}">
+                <a14:hiddenLine xmlns:a14="http://schemas.microsoft.com/office/drawing/2010/main" w="9525">
                   <a:solidFill>
                     <a:srgbClr val="000000"/>
                   </a:solidFill>
@@ -1624,8 +1629,8 @@
               <a:noFill/>
             </a:ln>
             <a:extLst>
-              <a:ext uri="{91240B29-F687-4f45-9708-019B960494DF}">
-                <a14:hiddenLine xmlns:a14="http://schemas.microsoft.com/office/drawing/2010/main" xmlns="" w="9525">
+              <a:ext uri="{91240B29-F687-4F45-9708-019B960494DF}">
+                <a14:hiddenLine xmlns:a14="http://schemas.microsoft.com/office/drawing/2010/main" w="9525">
                   <a:solidFill>
                     <a:srgbClr val="000000"/>
                   </a:solidFill>
@@ -1714,8 +1719,8 @@
               <a:noFill/>
             </a:ln>
             <a:extLst>
-              <a:ext uri="{91240B29-F687-4f45-9708-019B960494DF}">
-                <a14:hiddenLine xmlns:a14="http://schemas.microsoft.com/office/drawing/2010/main" xmlns="" w="9525">
+              <a:ext uri="{91240B29-F687-4F45-9708-019B960494DF}">
+                <a14:hiddenLine xmlns:a14="http://schemas.microsoft.com/office/drawing/2010/main" w="9525">
                   <a:solidFill>
                     <a:srgbClr val="000000"/>
                   </a:solidFill>
@@ -1770,8 +1775,8 @@
               <a:noFill/>
             </a:ln>
             <a:extLst>
-              <a:ext uri="{91240B29-F687-4f45-9708-019B960494DF}">
-                <a14:hiddenLine xmlns:a14="http://schemas.microsoft.com/office/drawing/2010/main" xmlns="" w="9525">
+              <a:ext uri="{91240B29-F687-4F45-9708-019B960494DF}">
+                <a14:hiddenLine xmlns:a14="http://schemas.microsoft.com/office/drawing/2010/main" w="9525">
                   <a:solidFill>
                     <a:srgbClr val="000000"/>
                   </a:solidFill>
@@ -1860,8 +1865,8 @@
               <a:noFill/>
             </a:ln>
             <a:extLst>
-              <a:ext uri="{91240B29-F687-4f45-9708-019B960494DF}">
-                <a14:hiddenLine xmlns:a14="http://schemas.microsoft.com/office/drawing/2010/main" xmlns="" w="9525">
+              <a:ext uri="{91240B29-F687-4F45-9708-019B960494DF}">
+                <a14:hiddenLine xmlns:a14="http://schemas.microsoft.com/office/drawing/2010/main" w="9525">
                   <a:solidFill>
                     <a:srgbClr val="000000"/>
                   </a:solidFill>
@@ -1916,8 +1921,8 @@
               <a:noFill/>
             </a:ln>
             <a:extLst>
-              <a:ext uri="{91240B29-F687-4f45-9708-019B960494DF}">
-                <a14:hiddenLine xmlns:a14="http://schemas.microsoft.com/office/drawing/2010/main" xmlns="" w="9525">
+              <a:ext uri="{91240B29-F687-4F45-9708-019B960494DF}">
+                <a14:hiddenLine xmlns:a14="http://schemas.microsoft.com/office/drawing/2010/main" w="9525">
                   <a:solidFill>
                     <a:srgbClr val="000000"/>
                   </a:solidFill>
@@ -2006,8 +2011,8 @@
               <a:noFill/>
             </a:ln>
             <a:extLst>
-              <a:ext uri="{91240B29-F687-4f45-9708-019B960494DF}">
-                <a14:hiddenLine xmlns:a14="http://schemas.microsoft.com/office/drawing/2010/main" xmlns="" w="9525">
+              <a:ext uri="{91240B29-F687-4F45-9708-019B960494DF}">
+                <a14:hiddenLine xmlns:a14="http://schemas.microsoft.com/office/drawing/2010/main" w="9525">
                   <a:solidFill>
                     <a:srgbClr val="000000"/>
                   </a:solidFill>
@@ -2074,8 +2079,8 @@
               <a:noFill/>
             </a:ln>
             <a:extLst>
-              <a:ext uri="{91240B29-F687-4f45-9708-019B960494DF}">
-                <a14:hiddenLine xmlns:a14="http://schemas.microsoft.com/office/drawing/2010/main" xmlns="" w="9525">
+              <a:ext uri="{91240B29-F687-4F45-9708-019B960494DF}">
+                <a14:hiddenLine xmlns:a14="http://schemas.microsoft.com/office/drawing/2010/main" w="9525">
                   <a:solidFill>
                     <a:srgbClr val="000000"/>
                   </a:solidFill>
@@ -2164,8 +2169,8 @@
               <a:noFill/>
             </a:ln>
             <a:extLst>
-              <a:ext uri="{91240B29-F687-4f45-9708-019B960494DF}">
-                <a14:hiddenLine xmlns:a14="http://schemas.microsoft.com/office/drawing/2010/main" xmlns="" w="9525">
+              <a:ext uri="{91240B29-F687-4F45-9708-019B960494DF}">
+                <a14:hiddenLine xmlns:a14="http://schemas.microsoft.com/office/drawing/2010/main" w="9525">
                   <a:solidFill>
                     <a:srgbClr val="000000"/>
                   </a:solidFill>
@@ -2232,8 +2237,8 @@
               <a:noFill/>
             </a:ln>
             <a:extLst>
-              <a:ext uri="{91240B29-F687-4f45-9708-019B960494DF}">
-                <a14:hiddenLine xmlns:a14="http://schemas.microsoft.com/office/drawing/2010/main" xmlns="" w="9525">
+              <a:ext uri="{91240B29-F687-4F45-9708-019B960494DF}">
+                <a14:hiddenLine xmlns:a14="http://schemas.microsoft.com/office/drawing/2010/main" w="9525">
                   <a:solidFill>
                     <a:srgbClr val="000000"/>
                   </a:solidFill>
@@ -2322,8 +2327,8 @@
               <a:noFill/>
             </a:ln>
             <a:extLst>
-              <a:ext uri="{91240B29-F687-4f45-9708-019B960494DF}">
-                <a14:hiddenLine xmlns:a14="http://schemas.microsoft.com/office/drawing/2010/main" xmlns="" w="9525">
+              <a:ext uri="{91240B29-F687-4F45-9708-019B960494DF}">
+                <a14:hiddenLine xmlns:a14="http://schemas.microsoft.com/office/drawing/2010/main" w="9525">
                   <a:solidFill>
                     <a:srgbClr val="000000"/>
                   </a:solidFill>
@@ -2356,8 +2361,8 @@
               <a:noFill/>
             </a:ln>
             <a:extLst>
-              <a:ext uri="{91240B29-F687-4f45-9708-019B960494DF}">
-                <a14:hiddenLine xmlns:a14="http://schemas.microsoft.com/office/drawing/2010/main" xmlns="" w="9525">
+              <a:ext uri="{91240B29-F687-4F45-9708-019B960494DF}">
+                <a14:hiddenLine xmlns:a14="http://schemas.microsoft.com/office/drawing/2010/main" w="9525">
                   <a:solidFill>
                     <a:srgbClr val="000000"/>
                   </a:solidFill>
@@ -2446,8 +2451,8 @@
               <a:noFill/>
             </a:ln>
             <a:extLst>
-              <a:ext uri="{91240B29-F687-4f45-9708-019B960494DF}">
-                <a14:hiddenLine xmlns:a14="http://schemas.microsoft.com/office/drawing/2010/main" xmlns="" w="9525">
+              <a:ext uri="{91240B29-F687-4F45-9708-019B960494DF}">
+                <a14:hiddenLine xmlns:a14="http://schemas.microsoft.com/office/drawing/2010/main" w="9525">
                   <a:solidFill>
                     <a:srgbClr val="000000"/>
                   </a:solidFill>
@@ -2508,8 +2513,8 @@
               <a:noFill/>
             </a:ln>
             <a:extLst>
-              <a:ext uri="{91240B29-F687-4f45-9708-019B960494DF}">
-                <a14:hiddenLine xmlns:a14="http://schemas.microsoft.com/office/drawing/2010/main" xmlns="" w="9525">
+              <a:ext uri="{91240B29-F687-4F45-9708-019B960494DF}">
+                <a14:hiddenLine xmlns:a14="http://schemas.microsoft.com/office/drawing/2010/main" w="9525">
                   <a:solidFill>
                     <a:srgbClr val="000000"/>
                   </a:solidFill>
@@ -2570,8 +2575,8 @@
               <a:noFill/>
             </a:ln>
             <a:extLst>
-              <a:ext uri="{91240B29-F687-4f45-9708-019B960494DF}">
-                <a14:hiddenLine xmlns:a14="http://schemas.microsoft.com/office/drawing/2010/main" xmlns="" w="9525">
+              <a:ext uri="{91240B29-F687-4F45-9708-019B960494DF}">
+                <a14:hiddenLine xmlns:a14="http://schemas.microsoft.com/office/drawing/2010/main" w="9525">
                   <a:solidFill>
                     <a:srgbClr val="000000"/>
                   </a:solidFill>
@@ -2660,8 +2665,8 @@
               <a:noFill/>
             </a:ln>
             <a:extLst>
-              <a:ext uri="{91240B29-F687-4f45-9708-019B960494DF}">
-                <a14:hiddenLine xmlns:a14="http://schemas.microsoft.com/office/drawing/2010/main" xmlns="" w="9525">
+              <a:ext uri="{91240B29-F687-4F45-9708-019B960494DF}">
+                <a14:hiddenLine xmlns:a14="http://schemas.microsoft.com/office/drawing/2010/main" w="9525">
                   <a:solidFill>
                     <a:srgbClr val="000000"/>
                   </a:solidFill>
@@ -2728,8 +2733,8 @@
               <a:noFill/>
             </a:ln>
             <a:extLst>
-              <a:ext uri="{91240B29-F687-4f45-9708-019B960494DF}">
-                <a14:hiddenLine xmlns:a14="http://schemas.microsoft.com/office/drawing/2010/main" xmlns="" w="9525">
+              <a:ext uri="{91240B29-F687-4F45-9708-019B960494DF}">
+                <a14:hiddenLine xmlns:a14="http://schemas.microsoft.com/office/drawing/2010/main" w="9525">
                   <a:solidFill>
                     <a:srgbClr val="000000"/>
                   </a:solidFill>
@@ -2790,8 +2795,8 @@
               <a:noFill/>
             </a:ln>
             <a:extLst>
-              <a:ext uri="{91240B29-F687-4f45-9708-019B960494DF}">
-                <a14:hiddenLine xmlns:a14="http://schemas.microsoft.com/office/drawing/2010/main" xmlns="" w="9525">
+              <a:ext uri="{91240B29-F687-4F45-9708-019B960494DF}">
+                <a14:hiddenLine xmlns:a14="http://schemas.microsoft.com/office/drawing/2010/main" w="9525">
                   <a:solidFill>
                     <a:srgbClr val="000000"/>
                   </a:solidFill>
@@ -2880,8 +2885,8 @@
               <a:noFill/>
             </a:ln>
             <a:extLst>
-              <a:ext uri="{91240B29-F687-4f45-9708-019B960494DF}">
-                <a14:hiddenLine xmlns:a14="http://schemas.microsoft.com/office/drawing/2010/main" xmlns="" w="9525">
+              <a:ext uri="{91240B29-F687-4F45-9708-019B960494DF}">
+                <a14:hiddenLine xmlns:a14="http://schemas.microsoft.com/office/drawing/2010/main" w="9525">
                   <a:solidFill>
                     <a:srgbClr val="000000"/>
                   </a:solidFill>
@@ -2942,8 +2947,8 @@
               <a:noFill/>
             </a:ln>
             <a:extLst>
-              <a:ext uri="{91240B29-F687-4f45-9708-019B960494DF}">
-                <a14:hiddenLine xmlns:a14="http://schemas.microsoft.com/office/drawing/2010/main" xmlns="" w="9525">
+              <a:ext uri="{91240B29-F687-4F45-9708-019B960494DF}">
+                <a14:hiddenLine xmlns:a14="http://schemas.microsoft.com/office/drawing/2010/main" w="9525">
                   <a:solidFill>
                     <a:srgbClr val="000000"/>
                   </a:solidFill>
@@ -3032,8 +3037,8 @@
               <a:noFill/>
             </a:ln>
             <a:extLst>
-              <a:ext uri="{91240B29-F687-4f45-9708-019B960494DF}">
-                <a14:hiddenLine xmlns:a14="http://schemas.microsoft.com/office/drawing/2010/main" xmlns="" w="9525">
+              <a:ext uri="{91240B29-F687-4F45-9708-019B960494DF}">
+                <a14:hiddenLine xmlns:a14="http://schemas.microsoft.com/office/drawing/2010/main" w="9525">
                   <a:solidFill>
                     <a:srgbClr val="000000"/>
                   </a:solidFill>
@@ -3094,8 +3099,8 @@
               <a:noFill/>
             </a:ln>
             <a:extLst>
-              <a:ext uri="{91240B29-F687-4f45-9708-019B960494DF}">
-                <a14:hiddenLine xmlns:a14="http://schemas.microsoft.com/office/drawing/2010/main" xmlns="" w="9525">
+              <a:ext uri="{91240B29-F687-4F45-9708-019B960494DF}">
+                <a14:hiddenLine xmlns:a14="http://schemas.microsoft.com/office/drawing/2010/main" w="9525">
                   <a:solidFill>
                     <a:srgbClr val="000000"/>
                   </a:solidFill>
@@ -3184,8 +3189,8 @@
               <a:noFill/>
             </a:ln>
             <a:extLst>
-              <a:ext uri="{91240B29-F687-4f45-9708-019B960494DF}">
-                <a14:hiddenLine xmlns:a14="http://schemas.microsoft.com/office/drawing/2010/main" xmlns="" w="9525">
+              <a:ext uri="{91240B29-F687-4F45-9708-019B960494DF}">
+                <a14:hiddenLine xmlns:a14="http://schemas.microsoft.com/office/drawing/2010/main" w="9525">
                   <a:solidFill>
                     <a:srgbClr val="000000"/>
                   </a:solidFill>
@@ -3218,8 +3223,8 @@
               <a:noFill/>
             </a:ln>
             <a:extLst>
-              <a:ext uri="{91240B29-F687-4f45-9708-019B960494DF}">
-                <a14:hiddenLine xmlns:a14="http://schemas.microsoft.com/office/drawing/2010/main" xmlns="" w="9525">
+              <a:ext uri="{91240B29-F687-4F45-9708-019B960494DF}">
+                <a14:hiddenLine xmlns:a14="http://schemas.microsoft.com/office/drawing/2010/main" w="9525">
                   <a:solidFill>
                     <a:srgbClr val="000000"/>
                   </a:solidFill>
@@ -3283,8 +3288,8 @@
               <a:noFill/>
             </a:ln>
             <a:extLst>
-              <a:ext uri="{91240B29-F687-4f45-9708-019B960494DF}">
-                <a14:hiddenLine xmlns:a14="http://schemas.microsoft.com/office/drawing/2010/main" xmlns="" w="9525">
+              <a:ext uri="{91240B29-F687-4F45-9708-019B960494DF}">
+                <a14:hiddenLine xmlns:a14="http://schemas.microsoft.com/office/drawing/2010/main" w="9525">
                   <a:solidFill>
                     <a:srgbClr val="000000"/>
                   </a:solidFill>
@@ -3373,8 +3378,8 @@
               <a:noFill/>
             </a:ln>
             <a:extLst>
-              <a:ext uri="{91240B29-F687-4f45-9708-019B960494DF}">
-                <a14:hiddenLine xmlns:a14="http://schemas.microsoft.com/office/drawing/2010/main" xmlns="" w="9525">
+              <a:ext uri="{91240B29-F687-4F45-9708-019B960494DF}">
+                <a14:hiddenLine xmlns:a14="http://schemas.microsoft.com/office/drawing/2010/main" w="9525">
                   <a:solidFill>
                     <a:srgbClr val="000000"/>
                   </a:solidFill>
@@ -3435,8 +3440,8 @@
               <a:noFill/>
             </a:ln>
             <a:extLst>
-              <a:ext uri="{91240B29-F687-4f45-9708-019B960494DF}">
-                <a14:hiddenLine xmlns:a14="http://schemas.microsoft.com/office/drawing/2010/main" xmlns="" w="9525">
+              <a:ext uri="{91240B29-F687-4F45-9708-019B960494DF}">
+                <a14:hiddenLine xmlns:a14="http://schemas.microsoft.com/office/drawing/2010/main" w="9525">
                   <a:solidFill>
                     <a:srgbClr val="000000"/>
                   </a:solidFill>
@@ -3525,8 +3530,8 @@
               <a:noFill/>
             </a:ln>
             <a:extLst>
-              <a:ext uri="{91240B29-F687-4f45-9708-019B960494DF}">
-                <a14:hiddenLine xmlns:a14="http://schemas.microsoft.com/office/drawing/2010/main" xmlns="" w="9525">
+              <a:ext uri="{91240B29-F687-4F45-9708-019B960494DF}">
+                <a14:hiddenLine xmlns:a14="http://schemas.microsoft.com/office/drawing/2010/main" w="9525">
                   <a:solidFill>
                     <a:srgbClr val="000000"/>
                   </a:solidFill>
@@ -3615,8 +3620,8 @@
               <a:noFill/>
             </a:ln>
             <a:extLst>
-              <a:ext uri="{91240B29-F687-4f45-9708-019B960494DF}">
-                <a14:hiddenLine xmlns:a14="http://schemas.microsoft.com/office/drawing/2010/main" xmlns="" w="9525">
+              <a:ext uri="{91240B29-F687-4F45-9708-019B960494DF}">
+                <a14:hiddenLine xmlns:a14="http://schemas.microsoft.com/office/drawing/2010/main" w="9525">
                   <a:solidFill>
                     <a:srgbClr val="000000"/>
                   </a:solidFill>
@@ -3680,8 +3685,8 @@
               <a:noFill/>
             </a:ln>
             <a:extLst>
-              <a:ext uri="{91240B29-F687-4f45-9708-019B960494DF}">
-                <a14:hiddenLine xmlns:a14="http://schemas.microsoft.com/office/drawing/2010/main" xmlns="" w="9525">
+              <a:ext uri="{91240B29-F687-4F45-9708-019B960494DF}">
+                <a14:hiddenLine xmlns:a14="http://schemas.microsoft.com/office/drawing/2010/main" w="9525">
                   <a:solidFill>
                     <a:srgbClr val="000000"/>
                   </a:solidFill>
@@ -3742,8 +3747,8 @@
               <a:noFill/>
             </a:ln>
             <a:extLst>
-              <a:ext uri="{91240B29-F687-4f45-9708-019B960494DF}">
-                <a14:hiddenLine xmlns:a14="http://schemas.microsoft.com/office/drawing/2010/main" xmlns="" w="9525">
+              <a:ext uri="{91240B29-F687-4F45-9708-019B960494DF}">
+                <a14:hiddenLine xmlns:a14="http://schemas.microsoft.com/office/drawing/2010/main" w="9525">
                   <a:solidFill>
                     <a:srgbClr val="000000"/>
                   </a:solidFill>
@@ -3832,8 +3837,8 @@
               <a:noFill/>
             </a:ln>
             <a:extLst>
-              <a:ext uri="{91240B29-F687-4f45-9708-019B960494DF}">
-                <a14:hiddenLine xmlns:a14="http://schemas.microsoft.com/office/drawing/2010/main" xmlns="" w="9525">
+              <a:ext uri="{91240B29-F687-4F45-9708-019B960494DF}">
+                <a14:hiddenLine xmlns:a14="http://schemas.microsoft.com/office/drawing/2010/main" w="9525">
                   <a:solidFill>
                     <a:srgbClr val="000000"/>
                   </a:solidFill>
@@ -3922,8 +3927,8 @@
               <a:noFill/>
             </a:ln>
             <a:extLst>
-              <a:ext uri="{91240B29-F687-4f45-9708-019B960494DF}">
-                <a14:hiddenLine xmlns:a14="http://schemas.microsoft.com/office/drawing/2010/main" xmlns="" w="9525">
+              <a:ext uri="{91240B29-F687-4F45-9708-019B960494DF}">
+                <a14:hiddenLine xmlns:a14="http://schemas.microsoft.com/office/drawing/2010/main" w="9525">
                   <a:solidFill>
                     <a:srgbClr val="000000"/>
                   </a:solidFill>
@@ -3984,8 +3989,8 @@
               <a:noFill/>
             </a:ln>
             <a:extLst>
-              <a:ext uri="{91240B29-F687-4f45-9708-019B960494DF}">
-                <a14:hiddenLine xmlns:a14="http://schemas.microsoft.com/office/drawing/2010/main" xmlns="" w="9525">
+              <a:ext uri="{91240B29-F687-4F45-9708-019B960494DF}">
+                <a14:hiddenLine xmlns:a14="http://schemas.microsoft.com/office/drawing/2010/main" w="9525">
                   <a:solidFill>
                     <a:srgbClr val="000000"/>
                   </a:solidFill>
@@ -4104,8 +4109,8 @@
               <a:noFill/>
             </a:ln>
             <a:extLst>
-              <a:ext uri="{91240B29-F687-4f45-9708-019B960494DF}">
-                <a14:hiddenLine xmlns:a14="http://schemas.microsoft.com/office/drawing/2010/main" xmlns="" w="9525">
+              <a:ext uri="{91240B29-F687-4F45-9708-019B960494DF}">
+                <a14:hiddenLine xmlns:a14="http://schemas.microsoft.com/office/drawing/2010/main" w="9525">
                   <a:solidFill>
                     <a:srgbClr val="000000"/>
                   </a:solidFill>
@@ -4172,8 +4177,8 @@
               <a:noFill/>
             </a:ln>
             <a:extLst>
-              <a:ext uri="{91240B29-F687-4f45-9708-019B960494DF}">
-                <a14:hiddenLine xmlns:a14="http://schemas.microsoft.com/office/drawing/2010/main" xmlns="" w="9525">
+              <a:ext uri="{91240B29-F687-4F45-9708-019B960494DF}">
+                <a14:hiddenLine xmlns:a14="http://schemas.microsoft.com/office/drawing/2010/main" w="9525">
                   <a:solidFill>
                     <a:srgbClr val="000000"/>
                   </a:solidFill>
@@ -4262,8 +4267,8 @@
               <a:noFill/>
             </a:ln>
             <a:extLst>
-              <a:ext uri="{91240B29-F687-4f45-9708-019B960494DF}">
-                <a14:hiddenLine xmlns:a14="http://schemas.microsoft.com/office/drawing/2010/main" xmlns="" w="9525">
+              <a:ext uri="{91240B29-F687-4F45-9708-019B960494DF}">
+                <a14:hiddenLine xmlns:a14="http://schemas.microsoft.com/office/drawing/2010/main" w="9525">
                   <a:solidFill>
                     <a:srgbClr val="000000"/>
                   </a:solidFill>
@@ -4403,7 +4408,7 @@
           <a:p>
             <a:fld id="{48A87A34-81AB-432B-8DAE-1953F412C126}" type="datetimeFigureOut">
               <a:rPr lang="en-US" dirty="0"/>
-              <a:t>5/23/2021</a:t>
+              <a:t>5/29/2021</a:t>
             </a:fld>
             <a:endParaRPr lang="en-US" dirty="0"/>
           </a:p>
@@ -4665,7 +4670,7 @@
           <a:p>
             <a:fld id="{48A87A34-81AB-432B-8DAE-1953F412C126}" type="datetimeFigureOut">
               <a:rPr lang="en-US" dirty="0"/>
-              <a:t>5/23/2021</a:t>
+              <a:t>5/29/2021</a:t>
             </a:fld>
             <a:endParaRPr lang="en-US" dirty="0"/>
           </a:p>
@@ -4856,7 +4861,7 @@
           <a:p>
             <a:fld id="{48A87A34-81AB-432B-8DAE-1953F412C126}" type="datetimeFigureOut">
               <a:rPr lang="en-US" dirty="0"/>
-              <a:t>5/23/2021</a:t>
+              <a:t>5/29/2021</a:t>
             </a:fld>
             <a:endParaRPr lang="en-US" dirty="0"/>
           </a:p>
@@ -5114,7 +5119,7 @@
           <a:p>
             <a:fld id="{48A87A34-81AB-432B-8DAE-1953F412C126}" type="datetimeFigureOut">
               <a:rPr lang="en-US" dirty="0"/>
-              <a:t>5/23/2021</a:t>
+              <a:t>5/29/2021</a:t>
             </a:fld>
             <a:endParaRPr lang="en-US" dirty="0"/>
           </a:p>
@@ -5543,7 +5548,7 @@
           <a:p>
             <a:fld id="{48A87A34-81AB-432B-8DAE-1953F412C126}" type="datetimeFigureOut">
               <a:rPr lang="en-US" dirty="0"/>
-              <a:t>5/23/2021</a:t>
+              <a:t>5/29/2021</a:t>
             </a:fld>
             <a:endParaRPr lang="en-US" dirty="0"/>
           </a:p>
@@ -6084,7 +6089,7 @@
           <a:p>
             <a:fld id="{48A87A34-81AB-432B-8DAE-1953F412C126}" type="datetimeFigureOut">
               <a:rPr lang="en-US" dirty="0"/>
-              <a:t>5/23/2021</a:t>
+              <a:t>5/29/2021</a:t>
             </a:fld>
             <a:endParaRPr lang="en-US" dirty="0"/>
           </a:p>
@@ -6799,7 +6804,7 @@
           <a:p>
             <a:fld id="{48A87A34-81AB-432B-8DAE-1953F412C126}" type="datetimeFigureOut">
               <a:rPr lang="en-US" dirty="0"/>
-              <a:t>5/23/2021</a:t>
+              <a:t>5/29/2021</a:t>
             </a:fld>
             <a:endParaRPr lang="en-US" dirty="0"/>
           </a:p>
@@ -6964,7 +6969,7 @@
           <a:p>
             <a:fld id="{48A87A34-81AB-432B-8DAE-1953F412C126}" type="datetimeFigureOut">
               <a:rPr lang="en-US" dirty="0"/>
-              <a:t>5/23/2021</a:t>
+              <a:t>5/29/2021</a:t>
             </a:fld>
             <a:endParaRPr lang="en-US" dirty="0"/>
           </a:p>
@@ -7139,7 +7144,7 @@
           <a:p>
             <a:fld id="{48A87A34-81AB-432B-8DAE-1953F412C126}" type="datetimeFigureOut">
               <a:rPr lang="en-US" dirty="0"/>
-              <a:t>5/23/2021</a:t>
+              <a:t>5/29/2021</a:t>
             </a:fld>
             <a:endParaRPr lang="en-US" dirty="0"/>
           </a:p>
@@ -7304,7 +7309,7 @@
           <a:p>
             <a:fld id="{48A87A34-81AB-432B-8DAE-1953F412C126}" type="datetimeFigureOut">
               <a:rPr lang="en-US" dirty="0"/>
-              <a:t>5/23/2021</a:t>
+              <a:t>5/29/2021</a:t>
             </a:fld>
             <a:endParaRPr lang="en-US" dirty="0"/>
           </a:p>
@@ -7549,7 +7554,7 @@
           <a:p>
             <a:fld id="{48A87A34-81AB-432B-8DAE-1953F412C126}" type="datetimeFigureOut">
               <a:rPr lang="en-US" dirty="0"/>
-              <a:t>5/23/2021</a:t>
+              <a:t>5/29/2021</a:t>
             </a:fld>
             <a:endParaRPr lang="en-US" dirty="0"/>
           </a:p>
@@ -7776,7 +7781,7 @@
           <a:p>
             <a:fld id="{48A87A34-81AB-432B-8DAE-1953F412C126}" type="datetimeFigureOut">
               <a:rPr lang="en-US" dirty="0"/>
-              <a:t>5/23/2021</a:t>
+              <a:t>5/29/2021</a:t>
             </a:fld>
             <a:endParaRPr lang="en-US" dirty="0"/>
           </a:p>
@@ -8152,7 +8157,7 @@
           <a:p>
             <a:fld id="{48A87A34-81AB-432B-8DAE-1953F412C126}" type="datetimeFigureOut">
               <a:rPr lang="en-US" dirty="0"/>
-              <a:t>5/23/2021</a:t>
+              <a:t>5/29/2021</a:t>
             </a:fld>
             <a:endParaRPr lang="en-US" dirty="0"/>
           </a:p>
@@ -8265,7 +8270,7 @@
           <a:p>
             <a:fld id="{48A87A34-81AB-432B-8DAE-1953F412C126}" type="datetimeFigureOut">
               <a:rPr lang="en-US" dirty="0"/>
-              <a:t>5/23/2021</a:t>
+              <a:t>5/29/2021</a:t>
             </a:fld>
             <a:endParaRPr lang="en-US" dirty="0"/>
           </a:p>
@@ -8355,7 +8360,7 @@
           <a:p>
             <a:fld id="{48A87A34-81AB-432B-8DAE-1953F412C126}" type="datetimeFigureOut">
               <a:rPr lang="en-US" dirty="0"/>
-              <a:t>5/23/2021</a:t>
+              <a:t>5/29/2021</a:t>
             </a:fld>
             <a:endParaRPr lang="en-US" dirty="0"/>
           </a:p>
@@ -8599,7 +8604,7 @@
           <a:p>
             <a:fld id="{48A87A34-81AB-432B-8DAE-1953F412C126}" type="datetimeFigureOut">
               <a:rPr lang="en-US" dirty="0"/>
-              <a:t>5/23/2021</a:t>
+              <a:t>5/29/2021</a:t>
             </a:fld>
             <a:endParaRPr lang="en-US" dirty="0"/>
           </a:p>
@@ -8874,7 +8879,7 @@
           <a:p>
             <a:fld id="{48A87A34-81AB-432B-8DAE-1953F412C126}" type="datetimeFigureOut">
               <a:rPr lang="en-US" dirty="0"/>
-              <a:t>5/23/2021</a:t>
+              <a:t>5/29/2021</a:t>
             </a:fld>
             <a:endParaRPr lang="en-US" dirty="0"/>
           </a:p>
@@ -8991,8 +8996,8 @@
           </a:prstGeom>
           <a:noFill/>
           <a:extLst>
-            <a:ext uri="{909E8E84-426E-40dd-AFC4-6F175D3DCCD1}">
-              <a14:hiddenFill xmlns:a14="http://schemas.microsoft.com/office/drawing/2010/main" xmlns="">
+            <a:ext uri="{909E8E84-426E-40DD-AFC4-6F175D3DCCD1}">
+              <a14:hiddenFill xmlns:a14="http://schemas.microsoft.com/office/drawing/2010/main">
                 <a:solidFill>
                   <a:srgbClr val="FFFFFF"/>
                 </a:solidFill>
@@ -9065,8 +9070,8 @@
                 <a:noFill/>
               </a:ln>
               <a:extLst>
-                <a:ext uri="{91240B29-F687-4f45-9708-019B960494DF}">
-                  <a14:hiddenLine xmlns:a14="http://schemas.microsoft.com/office/drawing/2010/main" xmlns="" w="9525">
+                <a:ext uri="{91240B29-F687-4F45-9708-019B960494DF}">
+                  <a14:hiddenLine xmlns:a14="http://schemas.microsoft.com/office/drawing/2010/main" w="9525">
                     <a:solidFill>
                       <a:srgbClr val="000000"/>
                     </a:solidFill>
@@ -9155,8 +9160,8 @@
                 <a:noFill/>
               </a:ln>
               <a:extLst>
-                <a:ext uri="{91240B29-F687-4f45-9708-019B960494DF}">
-                  <a14:hiddenLine xmlns:a14="http://schemas.microsoft.com/office/drawing/2010/main" xmlns="" w="9525">
+                <a:ext uri="{91240B29-F687-4F45-9708-019B960494DF}">
+                  <a14:hiddenLine xmlns:a14="http://schemas.microsoft.com/office/drawing/2010/main" w="9525">
                     <a:solidFill>
                       <a:srgbClr val="000000"/>
                     </a:solidFill>
@@ -9245,8 +9250,8 @@
                 <a:noFill/>
               </a:ln>
               <a:extLst>
-                <a:ext uri="{91240B29-F687-4f45-9708-019B960494DF}">
-                  <a14:hiddenLine xmlns:a14="http://schemas.microsoft.com/office/drawing/2010/main" xmlns="" w="9525">
+                <a:ext uri="{91240B29-F687-4F45-9708-019B960494DF}">
+                  <a14:hiddenLine xmlns:a14="http://schemas.microsoft.com/office/drawing/2010/main" w="9525">
                     <a:solidFill>
                       <a:srgbClr val="000000"/>
                     </a:solidFill>
@@ -9307,8 +9312,8 @@
                 <a:noFill/>
               </a:ln>
               <a:extLst>
-                <a:ext uri="{91240B29-F687-4f45-9708-019B960494DF}">
-                  <a14:hiddenLine xmlns:a14="http://schemas.microsoft.com/office/drawing/2010/main" xmlns="" w="9525">
+                <a:ext uri="{91240B29-F687-4F45-9708-019B960494DF}">
+                  <a14:hiddenLine xmlns:a14="http://schemas.microsoft.com/office/drawing/2010/main" w="9525">
                     <a:solidFill>
                       <a:srgbClr val="000000"/>
                     </a:solidFill>
@@ -9397,8 +9402,8 @@
                 <a:noFill/>
               </a:ln>
               <a:extLst>
-                <a:ext uri="{91240B29-F687-4f45-9708-019B960494DF}">
-                  <a14:hiddenLine xmlns:a14="http://schemas.microsoft.com/office/drawing/2010/main" xmlns="" w="9525">
+                <a:ext uri="{91240B29-F687-4F45-9708-019B960494DF}">
+                  <a14:hiddenLine xmlns:a14="http://schemas.microsoft.com/office/drawing/2010/main" w="9525">
                     <a:solidFill>
                       <a:srgbClr val="000000"/>
                     </a:solidFill>
@@ -9459,8 +9464,8 @@
                 <a:noFill/>
               </a:ln>
               <a:extLst>
-                <a:ext uri="{91240B29-F687-4f45-9708-019B960494DF}">
-                  <a14:hiddenLine xmlns:a14="http://schemas.microsoft.com/office/drawing/2010/main" xmlns="" w="9525">
+                <a:ext uri="{91240B29-F687-4F45-9708-019B960494DF}">
+                  <a14:hiddenLine xmlns:a14="http://schemas.microsoft.com/office/drawing/2010/main" w="9525">
                     <a:solidFill>
                       <a:srgbClr val="000000"/>
                     </a:solidFill>
@@ -9521,8 +9526,8 @@
                 <a:noFill/>
               </a:ln>
               <a:extLst>
-                <a:ext uri="{91240B29-F687-4f45-9708-019B960494DF}">
-                  <a14:hiddenLine xmlns:a14="http://schemas.microsoft.com/office/drawing/2010/main" xmlns="" w="9525">
+                <a:ext uri="{91240B29-F687-4F45-9708-019B960494DF}">
+                  <a14:hiddenLine xmlns:a14="http://schemas.microsoft.com/office/drawing/2010/main" w="9525">
                     <a:solidFill>
                       <a:srgbClr val="000000"/>
                     </a:solidFill>
@@ -9611,8 +9616,8 @@
                 <a:noFill/>
               </a:ln>
               <a:extLst>
-                <a:ext uri="{91240B29-F687-4f45-9708-019B960494DF}">
-                  <a14:hiddenLine xmlns:a14="http://schemas.microsoft.com/office/drawing/2010/main" xmlns="" w="9525">
+                <a:ext uri="{91240B29-F687-4F45-9708-019B960494DF}">
+                  <a14:hiddenLine xmlns:a14="http://schemas.microsoft.com/office/drawing/2010/main" w="9525">
                     <a:solidFill>
                       <a:srgbClr val="000000"/>
                     </a:solidFill>
@@ -9701,8 +9706,8 @@
                 <a:noFill/>
               </a:ln>
               <a:extLst>
-                <a:ext uri="{91240B29-F687-4f45-9708-019B960494DF}">
-                  <a14:hiddenLine xmlns:a14="http://schemas.microsoft.com/office/drawing/2010/main" xmlns="" w="9525">
+                <a:ext uri="{91240B29-F687-4F45-9708-019B960494DF}">
+                  <a14:hiddenLine xmlns:a14="http://schemas.microsoft.com/office/drawing/2010/main" w="9525">
                     <a:solidFill>
                       <a:srgbClr val="000000"/>
                     </a:solidFill>
@@ -9763,8 +9768,8 @@
                 <a:noFill/>
               </a:ln>
               <a:extLst>
-                <a:ext uri="{91240B29-F687-4f45-9708-019B960494DF}">
-                  <a14:hiddenLine xmlns:a14="http://schemas.microsoft.com/office/drawing/2010/main" xmlns="" w="9525">
+                <a:ext uri="{91240B29-F687-4F45-9708-019B960494DF}">
+                  <a14:hiddenLine xmlns:a14="http://schemas.microsoft.com/office/drawing/2010/main" w="9525">
                     <a:solidFill>
                       <a:srgbClr val="000000"/>
                     </a:solidFill>
@@ -9873,8 +9878,8 @@
                 <a:noFill/>
               </a:ln>
               <a:extLst>
-                <a:ext uri="{91240B29-F687-4f45-9708-019B960494DF}">
-                  <a14:hiddenLine xmlns:a14="http://schemas.microsoft.com/office/drawing/2010/main" xmlns="" w="9525">
+                <a:ext uri="{91240B29-F687-4F45-9708-019B960494DF}">
+                  <a14:hiddenLine xmlns:a14="http://schemas.microsoft.com/office/drawing/2010/main" w="9525">
                     <a:solidFill>
                       <a:srgbClr val="000000"/>
                     </a:solidFill>
@@ -9957,8 +9962,8 @@
                 <a:noFill/>
               </a:ln>
               <a:extLst>
-                <a:ext uri="{91240B29-F687-4f45-9708-019B960494DF}">
-                  <a14:hiddenLine xmlns:a14="http://schemas.microsoft.com/office/drawing/2010/main" xmlns="" w="9525">
+                <a:ext uri="{91240B29-F687-4F45-9708-019B960494DF}">
+                  <a14:hiddenLine xmlns:a14="http://schemas.microsoft.com/office/drawing/2010/main" w="9525">
                     <a:solidFill>
                       <a:srgbClr val="000000"/>
                     </a:solidFill>
@@ -10019,8 +10024,8 @@
                 <a:noFill/>
               </a:ln>
               <a:extLst>
-                <a:ext uri="{91240B29-F687-4f45-9708-019B960494DF}">
-                  <a14:hiddenLine xmlns:a14="http://schemas.microsoft.com/office/drawing/2010/main" xmlns="" w="9525">
+                <a:ext uri="{91240B29-F687-4F45-9708-019B960494DF}">
+                  <a14:hiddenLine xmlns:a14="http://schemas.microsoft.com/office/drawing/2010/main" w="9525">
                     <a:solidFill>
                       <a:srgbClr val="000000"/>
                     </a:solidFill>
@@ -10081,8 +10086,8 @@
                 <a:noFill/>
               </a:ln>
               <a:extLst>
-                <a:ext uri="{91240B29-F687-4f45-9708-019B960494DF}">
-                  <a14:hiddenLine xmlns:a14="http://schemas.microsoft.com/office/drawing/2010/main" xmlns="" w="9525">
+                <a:ext uri="{91240B29-F687-4F45-9708-019B960494DF}">
+                  <a14:hiddenLine xmlns:a14="http://schemas.microsoft.com/office/drawing/2010/main" w="9525">
                     <a:solidFill>
                       <a:srgbClr val="000000"/>
                     </a:solidFill>
@@ -10171,8 +10176,8 @@
                 <a:noFill/>
               </a:ln>
               <a:extLst>
-                <a:ext uri="{91240B29-F687-4f45-9708-019B960494DF}">
-                  <a14:hiddenLine xmlns:a14="http://schemas.microsoft.com/office/drawing/2010/main" xmlns="" w="9525">
+                <a:ext uri="{91240B29-F687-4F45-9708-019B960494DF}">
+                  <a14:hiddenLine xmlns:a14="http://schemas.microsoft.com/office/drawing/2010/main" w="9525">
                     <a:solidFill>
                       <a:srgbClr val="000000"/>
                     </a:solidFill>
@@ -10205,8 +10210,8 @@
                 <a:noFill/>
               </a:ln>
               <a:extLst>
-                <a:ext uri="{91240B29-F687-4f45-9708-019B960494DF}">
-                  <a14:hiddenLine xmlns:a14="http://schemas.microsoft.com/office/drawing/2010/main" xmlns="" w="9525">
+                <a:ext uri="{91240B29-F687-4F45-9708-019B960494DF}">
+                  <a14:hiddenLine xmlns:a14="http://schemas.microsoft.com/office/drawing/2010/main" w="9525">
                     <a:solidFill>
                       <a:srgbClr val="000000"/>
                     </a:solidFill>
@@ -10270,8 +10275,8 @@
                 <a:noFill/>
               </a:ln>
               <a:extLst>
-                <a:ext uri="{91240B29-F687-4f45-9708-019B960494DF}">
-                  <a14:hiddenLine xmlns:a14="http://schemas.microsoft.com/office/drawing/2010/main" xmlns="" w="9525">
+                <a:ext uri="{91240B29-F687-4F45-9708-019B960494DF}">
+                  <a14:hiddenLine xmlns:a14="http://schemas.microsoft.com/office/drawing/2010/main" w="9525">
                     <a:solidFill>
                       <a:srgbClr val="000000"/>
                     </a:solidFill>
@@ -10360,8 +10365,8 @@
                 <a:noFill/>
               </a:ln>
               <a:extLst>
-                <a:ext uri="{91240B29-F687-4f45-9708-019B960494DF}">
-                  <a14:hiddenLine xmlns:a14="http://schemas.microsoft.com/office/drawing/2010/main" xmlns="" w="9525">
+                <a:ext uri="{91240B29-F687-4F45-9708-019B960494DF}">
+                  <a14:hiddenLine xmlns:a14="http://schemas.microsoft.com/office/drawing/2010/main" w="9525">
                     <a:solidFill>
                       <a:srgbClr val="000000"/>
                     </a:solidFill>
@@ -10422,8 +10427,8 @@
                 <a:noFill/>
               </a:ln>
               <a:extLst>
-                <a:ext uri="{91240B29-F687-4f45-9708-019B960494DF}">
-                  <a14:hiddenLine xmlns:a14="http://schemas.microsoft.com/office/drawing/2010/main" xmlns="" w="9525">
+                <a:ext uri="{91240B29-F687-4F45-9708-019B960494DF}">
+                  <a14:hiddenLine xmlns:a14="http://schemas.microsoft.com/office/drawing/2010/main" w="9525">
                     <a:solidFill>
                       <a:srgbClr val="000000"/>
                     </a:solidFill>
@@ -10512,8 +10517,8 @@
                 <a:noFill/>
               </a:ln>
               <a:extLst>
-                <a:ext uri="{91240B29-F687-4f45-9708-019B960494DF}">
-                  <a14:hiddenLine xmlns:a14="http://schemas.microsoft.com/office/drawing/2010/main" xmlns="" w="9525">
+                <a:ext uri="{91240B29-F687-4F45-9708-019B960494DF}">
+                  <a14:hiddenLine xmlns:a14="http://schemas.microsoft.com/office/drawing/2010/main" w="9525">
                     <a:solidFill>
                       <a:srgbClr val="000000"/>
                     </a:solidFill>
@@ -10577,8 +10582,8 @@
                 <a:noFill/>
               </a:ln>
               <a:extLst>
-                <a:ext uri="{91240B29-F687-4f45-9708-019B960494DF}">
-                  <a14:hiddenLine xmlns:a14="http://schemas.microsoft.com/office/drawing/2010/main" xmlns="" w="9525">
+                <a:ext uri="{91240B29-F687-4F45-9708-019B960494DF}">
+                  <a14:hiddenLine xmlns:a14="http://schemas.microsoft.com/office/drawing/2010/main" w="9525">
                     <a:solidFill>
                       <a:srgbClr val="000000"/>
                     </a:solidFill>
@@ -10639,8 +10644,8 @@
                 <a:noFill/>
               </a:ln>
               <a:extLst>
-                <a:ext uri="{91240B29-F687-4f45-9708-019B960494DF}">
-                  <a14:hiddenLine xmlns:a14="http://schemas.microsoft.com/office/drawing/2010/main" xmlns="" w="9525">
+                <a:ext uri="{91240B29-F687-4F45-9708-019B960494DF}">
+                  <a14:hiddenLine xmlns:a14="http://schemas.microsoft.com/office/drawing/2010/main" w="9525">
                     <a:solidFill>
                       <a:srgbClr val="000000"/>
                     </a:solidFill>
@@ -10729,8 +10734,8 @@
                 <a:noFill/>
               </a:ln>
               <a:extLst>
-                <a:ext uri="{91240B29-F687-4f45-9708-019B960494DF}">
-                  <a14:hiddenLine xmlns:a14="http://schemas.microsoft.com/office/drawing/2010/main" xmlns="" w="9525">
+                <a:ext uri="{91240B29-F687-4F45-9708-019B960494DF}">
+                  <a14:hiddenLine xmlns:a14="http://schemas.microsoft.com/office/drawing/2010/main" w="9525">
                     <a:solidFill>
                       <a:srgbClr val="000000"/>
                     </a:solidFill>
@@ -10819,8 +10824,8 @@
                 <a:noFill/>
               </a:ln>
               <a:extLst>
-                <a:ext uri="{91240B29-F687-4f45-9708-019B960494DF}">
-                  <a14:hiddenLine xmlns:a14="http://schemas.microsoft.com/office/drawing/2010/main" xmlns="" w="9525">
+                <a:ext uri="{91240B29-F687-4F45-9708-019B960494DF}">
+                  <a14:hiddenLine xmlns:a14="http://schemas.microsoft.com/office/drawing/2010/main" w="9525">
                     <a:solidFill>
                       <a:srgbClr val="000000"/>
                     </a:solidFill>
@@ -10884,8 +10889,8 @@
                 <a:noFill/>
               </a:ln>
               <a:extLst>
-                <a:ext uri="{91240B29-F687-4f45-9708-019B960494DF}">
-                  <a14:hiddenLine xmlns:a14="http://schemas.microsoft.com/office/drawing/2010/main" xmlns="" w="9525">
+                <a:ext uri="{91240B29-F687-4F45-9708-019B960494DF}">
+                  <a14:hiddenLine xmlns:a14="http://schemas.microsoft.com/office/drawing/2010/main" w="9525">
                     <a:solidFill>
                       <a:srgbClr val="000000"/>
                     </a:solidFill>
@@ -11004,8 +11009,8 @@
                 <a:noFill/>
               </a:ln>
               <a:extLst>
-                <a:ext uri="{91240B29-F687-4f45-9708-019B960494DF}">
-                  <a14:hiddenLine xmlns:a14="http://schemas.microsoft.com/office/drawing/2010/main" xmlns="" w="9525">
+                <a:ext uri="{91240B29-F687-4F45-9708-019B960494DF}">
+                  <a14:hiddenLine xmlns:a14="http://schemas.microsoft.com/office/drawing/2010/main" w="9525">
                     <a:solidFill>
                       <a:srgbClr val="000000"/>
                     </a:solidFill>
@@ -11085,8 +11090,8 @@
                 <a:noFill/>
               </a:ln>
               <a:extLst>
-                <a:ext uri="{91240B29-F687-4f45-9708-019B960494DF}">
-                  <a14:hiddenLine xmlns:a14="http://schemas.microsoft.com/office/drawing/2010/main" xmlns="" w="9525">
+                <a:ext uri="{91240B29-F687-4F45-9708-019B960494DF}">
+                  <a14:hiddenLine xmlns:a14="http://schemas.microsoft.com/office/drawing/2010/main" w="9525">
                     <a:solidFill>
                       <a:srgbClr val="000000"/>
                     </a:solidFill>
@@ -11200,8 +11205,8 @@
                 <a:noFill/>
               </a:ln>
               <a:extLst>
-                <a:ext uri="{91240B29-F687-4f45-9708-019B960494DF}">
-                  <a14:hiddenLine xmlns:a14="http://schemas.microsoft.com/office/drawing/2010/main" xmlns="" w="9525">
+                <a:ext uri="{91240B29-F687-4F45-9708-019B960494DF}">
+                  <a14:hiddenLine xmlns:a14="http://schemas.microsoft.com/office/drawing/2010/main" w="9525">
                     <a:solidFill>
                       <a:srgbClr val="000000"/>
                     </a:solidFill>
@@ -11290,8 +11295,8 @@
                 <a:noFill/>
               </a:ln>
               <a:extLst>
-                <a:ext uri="{91240B29-F687-4f45-9708-019B960494DF}">
-                  <a14:hiddenLine xmlns:a14="http://schemas.microsoft.com/office/drawing/2010/main" xmlns="" w="9525">
+                <a:ext uri="{91240B29-F687-4F45-9708-019B960494DF}">
+                  <a14:hiddenLine xmlns:a14="http://schemas.microsoft.com/office/drawing/2010/main" w="9525">
                     <a:solidFill>
                       <a:srgbClr val="000000"/>
                     </a:solidFill>
@@ -11355,8 +11360,8 @@
                 <a:noFill/>
               </a:ln>
               <a:extLst>
-                <a:ext uri="{91240B29-F687-4f45-9708-019B960494DF}">
-                  <a14:hiddenLine xmlns:a14="http://schemas.microsoft.com/office/drawing/2010/main" xmlns="" w="9525">
+                <a:ext uri="{91240B29-F687-4F45-9708-019B960494DF}">
+                  <a14:hiddenLine xmlns:a14="http://schemas.microsoft.com/office/drawing/2010/main" w="9525">
                     <a:solidFill>
                       <a:srgbClr val="000000"/>
                     </a:solidFill>
@@ -11445,8 +11450,8 @@
                 <a:noFill/>
               </a:ln>
               <a:extLst>
-                <a:ext uri="{91240B29-F687-4f45-9708-019B960494DF}">
-                  <a14:hiddenLine xmlns:a14="http://schemas.microsoft.com/office/drawing/2010/main" xmlns="" w="9525">
+                <a:ext uri="{91240B29-F687-4F45-9708-019B960494DF}">
+                  <a14:hiddenLine xmlns:a14="http://schemas.microsoft.com/office/drawing/2010/main" w="9525">
                     <a:solidFill>
                       <a:srgbClr val="000000"/>
                     </a:solidFill>
@@ -11513,8 +11518,8 @@
                 <a:noFill/>
               </a:ln>
               <a:extLst>
-                <a:ext uri="{91240B29-F687-4f45-9708-019B960494DF}">
-                  <a14:hiddenLine xmlns:a14="http://schemas.microsoft.com/office/drawing/2010/main" xmlns="" w="9525">
+                <a:ext uri="{91240B29-F687-4F45-9708-019B960494DF}">
+                  <a14:hiddenLine xmlns:a14="http://schemas.microsoft.com/office/drawing/2010/main" w="9525">
                     <a:solidFill>
                       <a:srgbClr val="000000"/>
                     </a:solidFill>
@@ -11603,8 +11608,8 @@
                 <a:noFill/>
               </a:ln>
               <a:extLst>
-                <a:ext uri="{91240B29-F687-4f45-9708-019B960494DF}">
-                  <a14:hiddenLine xmlns:a14="http://schemas.microsoft.com/office/drawing/2010/main" xmlns="" w="9525">
+                <a:ext uri="{91240B29-F687-4F45-9708-019B960494DF}">
+                  <a14:hiddenLine xmlns:a14="http://schemas.microsoft.com/office/drawing/2010/main" w="9525">
                     <a:solidFill>
                       <a:srgbClr val="000000"/>
                     </a:solidFill>
@@ -11671,8 +11676,8 @@
                 <a:noFill/>
               </a:ln>
               <a:extLst>
-                <a:ext uri="{91240B29-F687-4f45-9708-019B960494DF}">
-                  <a14:hiddenLine xmlns:a14="http://schemas.microsoft.com/office/drawing/2010/main" xmlns="" w="9525">
+                <a:ext uri="{91240B29-F687-4F45-9708-019B960494DF}">
+                  <a14:hiddenLine xmlns:a14="http://schemas.microsoft.com/office/drawing/2010/main" w="9525">
                     <a:solidFill>
                       <a:srgbClr val="000000"/>
                     </a:solidFill>
@@ -11761,8 +11766,8 @@
                 <a:noFill/>
               </a:ln>
               <a:extLst>
-                <a:ext uri="{91240B29-F687-4f45-9708-019B960494DF}">
-                  <a14:hiddenLine xmlns:a14="http://schemas.microsoft.com/office/drawing/2010/main" xmlns="" w="9525">
+                <a:ext uri="{91240B29-F687-4F45-9708-019B960494DF}">
+                  <a14:hiddenLine xmlns:a14="http://schemas.microsoft.com/office/drawing/2010/main" w="9525">
                     <a:solidFill>
                       <a:srgbClr val="000000"/>
                     </a:solidFill>
@@ -11795,8 +11800,8 @@
                 <a:noFill/>
               </a:ln>
               <a:extLst>
-                <a:ext uri="{91240B29-F687-4f45-9708-019B960494DF}">
-                  <a14:hiddenLine xmlns:a14="http://schemas.microsoft.com/office/drawing/2010/main" xmlns="" w="9525">
+                <a:ext uri="{91240B29-F687-4F45-9708-019B960494DF}">
+                  <a14:hiddenLine xmlns:a14="http://schemas.microsoft.com/office/drawing/2010/main" w="9525">
                     <a:solidFill>
                       <a:srgbClr val="000000"/>
                     </a:solidFill>
@@ -11937,7 +11942,7 @@
             <a:fld id="{48A87A34-81AB-432B-8DAE-1953F412C126}" type="datetimeFigureOut">
               <a:rPr lang="en-US" dirty="0"/>
               <a:pPr/>
-              <a:t>5/23/2021</a:t>
+              <a:t>5/29/2021</a:t>
             </a:fld>
             <a:endParaRPr lang="en-US" dirty="0"/>
           </a:p>
@@ -12358,7 +12363,7 @@
           <p:cNvPr id="2" name="Title 1">
             <a:extLst>
               <a:ext uri="{FF2B5EF4-FFF2-40B4-BE49-F238E27FC236}">
-                <a16:creationId xmlns:a16="http://schemas.microsoft.com/office/drawing/2014/main" id="{FFAE1127-BA65-426A-81AA-317F59C8EC8E}"/>
+                <a16:creationId xmlns:a16="http://schemas.microsoft.com/office/drawing/2014/main" xmlns="" id="{FFAE1127-BA65-426A-81AA-317F59C8EC8E}"/>
               </a:ext>
             </a:extLst>
           </p:cNvPr>
@@ -12394,7 +12399,7 @@
           <p:cNvPr id="3" name="Subtitle 2">
             <a:extLst>
               <a:ext uri="{FF2B5EF4-FFF2-40B4-BE49-F238E27FC236}">
-                <a16:creationId xmlns:a16="http://schemas.microsoft.com/office/drawing/2014/main" id="{9C3649B5-048E-4E50-95F1-FB467813121E}"/>
+                <a16:creationId xmlns:a16="http://schemas.microsoft.com/office/drawing/2014/main" xmlns="" id="{9C3649B5-048E-4E50-95F1-FB467813121E}"/>
               </a:ext>
             </a:extLst>
           </p:cNvPr>
@@ -12434,18 +12439,25 @@
   <p:clrMapOvr>
     <a:masterClrMapping/>
   </p:clrMapOvr>
-  <mc:AlternateContent xmlns:mc="http://schemas.openxmlformats.org/markup-compatibility/2006">
-    <mc:Choice xmlns:p14="http://schemas.microsoft.com/office/powerpoint/2010/main" Requires="p14">
+  <mc:AlternateContent xmlns:mc="http://schemas.openxmlformats.org/markup-compatibility/2006" xmlns:p14="http://schemas.microsoft.com/office/powerpoint/2010/main">
+    <mc:Choice Requires="p14">
       <p:transition spd="med" p14:dur="700">
         <p:fade/>
       </p:transition>
     </mc:Choice>
-    <mc:Fallback>
+    <mc:Fallback xmlns="">
       <p:transition spd="med">
         <p:fade/>
       </p:transition>
     </mc:Fallback>
   </mc:AlternateContent>
+  <p:timing>
+    <p:tnLst>
+      <p:par>
+        <p:cTn id="1" dur="indefinite" restart="never" nodeType="tmRoot"/>
+      </p:par>
+    </p:tnLst>
+  </p:timing>
 </p:sld>
 </file>
 
@@ -12468,10 +12480,664 @@
       </p:grpSpPr>
       <p:sp>
         <p:nvSpPr>
+          <p:cNvPr id="2" name="Title 1"/>
+          <p:cNvSpPr>
+            <a:spLocks noGrp="1"/>
+          </p:cNvSpPr>
+          <p:nvPr>
+            <p:ph type="title"/>
+          </p:nvPr>
+        </p:nvSpPr>
+        <p:spPr>
+          <a:xfrm>
+            <a:off x="3966256" y="81642"/>
+            <a:ext cx="3846966" cy="1060223"/>
+          </a:xfrm>
+        </p:spPr>
+        <p:txBody>
+          <a:bodyPr/>
+          <a:lstStyle/>
+          <a:p>
+            <a:r>
+              <a:rPr lang="bg-BG" dirty="0" smtClean="0"/>
+              <a:t>Критичен път</a:t>
+            </a:r>
+            <a:endParaRPr lang="en-US" dirty="0"/>
+          </a:p>
+        </p:txBody>
+      </p:sp>
+      <p:pic>
+        <p:nvPicPr>
+          <p:cNvPr id="2050" name="Picture 2" descr="kritichenPut"/>
+          <p:cNvPicPr>
+            <a:picLocks noChangeAspect="1" noChangeArrowheads="1"/>
+          </p:cNvPicPr>
+          <p:nvPr/>
+        </p:nvPicPr>
+        <p:blipFill>
+          <a:blip r:embed="rId2">
+            <a:extLst>
+              <a:ext uri="{28A0092B-C50C-407E-A947-70E740481C1C}">
+                <a14:useLocalDpi xmlns:a14="http://schemas.microsoft.com/office/drawing/2010/main" val="0"/>
+              </a:ext>
+            </a:extLst>
+          </a:blip>
+          <a:srcRect/>
+          <a:stretch>
+            <a:fillRect/>
+          </a:stretch>
+        </p:blipFill>
+        <p:spPr bwMode="auto">
+          <a:xfrm>
+            <a:off x="1421839" y="914397"/>
+            <a:ext cx="8791681" cy="5715003"/>
+          </a:xfrm>
+          <a:prstGeom prst="rect">
+            <a:avLst/>
+          </a:prstGeom>
+          <a:noFill/>
+          <a:ln>
+            <a:noFill/>
+          </a:ln>
+          <a:extLst>
+            <a:ext uri="{909E8E84-426E-40DD-AFC4-6F175D3DCCD1}">
+              <a14:hiddenFill xmlns:a14="http://schemas.microsoft.com/office/drawing/2010/main">
+                <a:solidFill>
+                  <a:srgbClr val="FFFFFF"/>
+                </a:solidFill>
+              </a14:hiddenFill>
+            </a:ext>
+            <a:ext uri="{91240B29-F687-4F45-9708-019B960494DF}">
+              <a14:hiddenLine xmlns:a14="http://schemas.microsoft.com/office/drawing/2010/main" w="9525">
+                <a:solidFill>
+                  <a:srgbClr val="000000"/>
+                </a:solidFill>
+                <a:miter lim="800000"/>
+                <a:headEnd/>
+                <a:tailEnd/>
+              </a14:hiddenLine>
+            </a:ext>
+          </a:extLst>
+        </p:spPr>
+      </p:pic>
+    </p:spTree>
+    <p:extLst>
+      <p:ext uri="{BB962C8B-B14F-4D97-AF65-F5344CB8AC3E}">
+        <p14:creationId xmlns:p14="http://schemas.microsoft.com/office/powerpoint/2010/main" val="128667984"/>
+      </p:ext>
+    </p:extLst>
+  </p:cSld>
+  <p:clrMapOvr>
+    <a:masterClrMapping/>
+  </p:clrMapOvr>
+  <mc:AlternateContent xmlns:mc="http://schemas.openxmlformats.org/markup-compatibility/2006">
+    <mc:Choice xmlns:p14="http://schemas.microsoft.com/office/powerpoint/2010/main" Requires="p14">
+      <p:transition spd="med" p14:dur="700">
+        <p:fade/>
+      </p:transition>
+    </mc:Choice>
+    <mc:Fallback>
+      <p:transition spd="med">
+        <p:fade/>
+      </p:transition>
+    </mc:Fallback>
+  </mc:AlternateContent>
+  <p:timing>
+    <p:tnLst>
+      <p:par>
+        <p:cTn id="1" dur="indefinite" restart="never" nodeType="tmRoot"/>
+      </p:par>
+    </p:tnLst>
+  </p:timing>
+</p:sld>
+</file>
+
+<file path=ppt/slides/slide11.xml><?xml version="1.0" encoding="utf-8"?>
+<p:sld xmlns:a="http://schemas.openxmlformats.org/drawingml/2006/main" xmlns:r="http://schemas.openxmlformats.org/officeDocument/2006/relationships" xmlns:p="http://schemas.openxmlformats.org/presentationml/2006/main">
+  <p:cSld>
+    <p:spTree>
+      <p:nvGrpSpPr>
+        <p:cNvPr id="1" name=""/>
+        <p:cNvGrpSpPr/>
+        <p:nvPr/>
+      </p:nvGrpSpPr>
+      <p:grpSpPr>
+        <a:xfrm>
+          <a:off x="0" y="0"/>
+          <a:ext cx="0" cy="0"/>
+          <a:chOff x="0" y="0"/>
+          <a:chExt cx="0" cy="0"/>
+        </a:xfrm>
+      </p:grpSpPr>
+      <p:sp>
+        <p:nvSpPr>
+          <p:cNvPr id="2" name="Title 1"/>
+          <p:cNvSpPr>
+            <a:spLocks noGrp="1"/>
+          </p:cNvSpPr>
+          <p:nvPr>
+            <p:ph type="title"/>
+          </p:nvPr>
+        </p:nvSpPr>
+        <p:spPr>
+          <a:xfrm>
+            <a:off x="3811134" y="210303"/>
+            <a:ext cx="3912280" cy="1478570"/>
+          </a:xfrm>
+        </p:spPr>
+        <p:txBody>
+          <a:bodyPr/>
+          <a:lstStyle/>
+          <a:p>
+            <a:r>
+              <a:rPr lang="bg-BG" dirty="0" smtClean="0"/>
+              <a:t>Бюджетиране</a:t>
+            </a:r>
+            <a:endParaRPr lang="en-US" dirty="0"/>
+          </a:p>
+        </p:txBody>
+      </p:sp>
+      <p:sp>
+        <p:nvSpPr>
+          <p:cNvPr id="3" name="Content Placeholder 2"/>
+          <p:cNvSpPr>
+            <a:spLocks noGrp="1"/>
+          </p:cNvSpPr>
+          <p:nvPr>
+            <p:ph idx="1"/>
+          </p:nvPr>
+        </p:nvSpPr>
+        <p:spPr>
+          <a:xfrm>
+            <a:off x="953634" y="2127024"/>
+            <a:ext cx="10370231" cy="3040970"/>
+          </a:xfrm>
+        </p:spPr>
+        <p:txBody>
+          <a:bodyPr/>
+          <a:lstStyle/>
+          <a:p>
+            <a:pPr>
+              <a:spcBef>
+                <a:spcPts val="0"/>
+              </a:spcBef>
+            </a:pPr>
+            <a:r>
+              <a:rPr lang="bg-BG" dirty="0" smtClean="0"/>
+              <a:t>Материални разходи(електричество, интернет) – около 40 лв/човек</a:t>
+            </a:r>
+          </a:p>
+          <a:p>
+            <a:pPr>
+              <a:spcBef>
+                <a:spcPts val="0"/>
+              </a:spcBef>
+            </a:pPr>
+            <a:r>
+              <a:rPr lang="bg-BG" dirty="0" smtClean="0"/>
+              <a:t>Трудово заплащане – 10 лв/човек на час</a:t>
+            </a:r>
+          </a:p>
+          <a:p>
+            <a:pPr marL="0" indent="0">
+              <a:spcBef>
+                <a:spcPts val="0"/>
+              </a:spcBef>
+              <a:buNone/>
+            </a:pPr>
+            <a:endParaRPr lang="bg-BG" dirty="0" smtClean="0"/>
+          </a:p>
+          <a:p>
+            <a:pPr marL="0" indent="0">
+              <a:spcBef>
+                <a:spcPts val="0"/>
+              </a:spcBef>
+              <a:buNone/>
+            </a:pPr>
+            <a:r>
+              <a:rPr lang="bg-BG" dirty="0" smtClean="0"/>
+              <a:t>Време за работа – 36 дена по 4 часа. </a:t>
+            </a:r>
+          </a:p>
+          <a:p>
+            <a:pPr marL="0" indent="0">
+              <a:spcBef>
+                <a:spcPts val="0"/>
+              </a:spcBef>
+              <a:buNone/>
+            </a:pPr>
+            <a:r>
+              <a:rPr lang="bg-BG" dirty="0" smtClean="0"/>
+              <a:t>3*40 + 36*4*10 = 1560 лв.</a:t>
+            </a:r>
+            <a:endParaRPr lang="bg-BG" dirty="0"/>
+          </a:p>
+          <a:p>
+            <a:pPr marL="0" indent="0">
+              <a:spcBef>
+                <a:spcPts val="0"/>
+              </a:spcBef>
+              <a:buNone/>
+            </a:pPr>
+            <a:r>
+              <a:rPr lang="bg-BG" dirty="0" smtClean="0"/>
+              <a:t>Общо предвидени разходи по проекта – 1560 лв.</a:t>
+            </a:r>
+            <a:endParaRPr lang="bg-BG" dirty="0"/>
+          </a:p>
+        </p:txBody>
+      </p:sp>
+    </p:spTree>
+    <p:extLst>
+      <p:ext uri="{BB962C8B-B14F-4D97-AF65-F5344CB8AC3E}">
+        <p14:creationId xmlns:p14="http://schemas.microsoft.com/office/powerpoint/2010/main" val="669956156"/>
+      </p:ext>
+    </p:extLst>
+  </p:cSld>
+  <p:clrMapOvr>
+    <a:masterClrMapping/>
+  </p:clrMapOvr>
+  <mc:AlternateContent xmlns:mc="http://schemas.openxmlformats.org/markup-compatibility/2006">
+    <mc:Choice xmlns:p14="http://schemas.microsoft.com/office/powerpoint/2010/main" Requires="p14">
+      <p:transition spd="med" p14:dur="700">
+        <p:fade/>
+      </p:transition>
+    </mc:Choice>
+    <mc:Fallback>
+      <p:transition spd="med">
+        <p:fade/>
+      </p:transition>
+    </mc:Fallback>
+  </mc:AlternateContent>
+  <p:timing>
+    <p:tnLst>
+      <p:par>
+        <p:cTn id="1" dur="indefinite" restart="never" nodeType="tmRoot"/>
+      </p:par>
+    </p:tnLst>
+  </p:timing>
+</p:sld>
+</file>
+
+<file path=ppt/slides/slide12.xml><?xml version="1.0" encoding="utf-8"?>
+<p:sld xmlns:a="http://schemas.openxmlformats.org/drawingml/2006/main" xmlns:r="http://schemas.openxmlformats.org/officeDocument/2006/relationships" xmlns:p="http://schemas.openxmlformats.org/presentationml/2006/main">
+  <p:cSld>
+    <p:spTree>
+      <p:nvGrpSpPr>
+        <p:cNvPr id="1" name=""/>
+        <p:cNvGrpSpPr/>
+        <p:nvPr/>
+      </p:nvGrpSpPr>
+      <p:grpSpPr>
+        <a:xfrm>
+          <a:off x="0" y="0"/>
+          <a:ext cx="0" cy="0"/>
+          <a:chOff x="0" y="0"/>
+          <a:chExt cx="0" cy="0"/>
+        </a:xfrm>
+      </p:grpSpPr>
+      <p:sp>
+        <p:nvSpPr>
+          <p:cNvPr id="2" name="Title 1"/>
+          <p:cNvSpPr>
+            <a:spLocks noGrp="1"/>
+          </p:cNvSpPr>
+          <p:nvPr>
+            <p:ph type="title"/>
+          </p:nvPr>
+        </p:nvSpPr>
+        <p:spPr/>
+        <p:txBody>
+          <a:bodyPr/>
+          <a:lstStyle/>
+          <a:p>
+            <a:pPr algn="ctr"/>
+            <a:r>
+              <a:rPr lang="bg-BG" dirty="0" smtClean="0"/>
+              <a:t>ПРОФИЛ НА РИСКА</a:t>
+            </a:r>
+            <a:endParaRPr lang="en-US" dirty="0"/>
+          </a:p>
+        </p:txBody>
+      </p:sp>
+      <p:graphicFrame>
+        <p:nvGraphicFramePr>
+          <p:cNvPr id="4" name="Content Placeholder 3"/>
+          <p:cNvGraphicFramePr>
+            <a:graphicFrameLocks noGrp="1"/>
+          </p:cNvGraphicFramePr>
+          <p:nvPr>
+            <p:ph idx="1"/>
+            <p:extLst>
+              <p:ext uri="{D42A27DB-BD31-4B8C-83A1-F6EECF244321}">
+                <p14:modId xmlns:p14="http://schemas.microsoft.com/office/powerpoint/2010/main" val="516265828"/>
+              </p:ext>
+            </p:extLst>
+          </p:nvPr>
+        </p:nvGraphicFramePr>
+        <p:xfrm>
+          <a:off x="1149577" y="2159679"/>
+          <a:ext cx="9121096" cy="2649937"/>
+        </p:xfrm>
+        <a:graphic>
+          <a:graphicData uri="http://schemas.openxmlformats.org/drawingml/2006/table">
+            <a:tbl>
+              <a:tblPr firstRow="1" bandRow="1">
+                <a:tableStyleId>{21E4AEA4-8DFA-4A89-87EB-49C32662AFE0}</a:tableStyleId>
+              </a:tblPr>
+              <a:tblGrid>
+                <a:gridCol w="2280274"/>
+                <a:gridCol w="2280274"/>
+                <a:gridCol w="2280274"/>
+                <a:gridCol w="2280274"/>
+              </a:tblGrid>
+              <a:tr h="510043">
+                <a:tc>
+                  <a:txBody>
+                    <a:bodyPr/>
+                    <a:lstStyle/>
+                    <a:p>
+                      <a:pPr algn="ctr"/>
+                      <a:r>
+                        <a:rPr lang="bg-BG" b="1" dirty="0" smtClean="0"/>
+                        <a:t>Описание</a:t>
+                      </a:r>
+                      <a:endParaRPr lang="en-US" b="1" dirty="0"/>
+                    </a:p>
+                  </a:txBody>
+                  <a:tcPr/>
+                </a:tc>
+                <a:tc>
+                  <a:txBody>
+                    <a:bodyPr/>
+                    <a:lstStyle/>
+                    <a:p>
+                      <a:pPr algn="ctr"/>
+                      <a:r>
+                        <a:rPr lang="bg-BG" dirty="0" smtClean="0"/>
+                        <a:t>Действие</a:t>
+                      </a:r>
+                      <a:endParaRPr lang="en-US" dirty="0"/>
+                    </a:p>
+                  </a:txBody>
+                  <a:tcPr/>
+                </a:tc>
+                <a:tc>
+                  <a:txBody>
+                    <a:bodyPr/>
+                    <a:lstStyle/>
+                    <a:p>
+                      <a:pPr algn="ctr"/>
+                      <a:r>
+                        <a:rPr lang="bg-BG" dirty="0" smtClean="0"/>
+                        <a:t>Вероятност</a:t>
+                      </a:r>
+                      <a:endParaRPr lang="en-US" dirty="0"/>
+                    </a:p>
+                  </a:txBody>
+                  <a:tcPr/>
+                </a:tc>
+                <a:tc>
+                  <a:txBody>
+                    <a:bodyPr/>
+                    <a:lstStyle/>
+                    <a:p>
+                      <a:pPr algn="ctr"/>
+                      <a:r>
+                        <a:rPr lang="bg-BG" dirty="0" smtClean="0"/>
+                        <a:t>Влияние</a:t>
+                      </a:r>
+                      <a:endParaRPr lang="en-US" dirty="0"/>
+                    </a:p>
+                  </a:txBody>
+                  <a:tcPr/>
+                </a:tc>
+              </a:tr>
+              <a:tr h="713298">
+                <a:tc>
+                  <a:txBody>
+                    <a:bodyPr/>
+                    <a:lstStyle/>
+                    <a:p>
+                      <a:r>
+                        <a:rPr lang="bg-BG" sz="1800" dirty="0" smtClean="0"/>
+                        <a:t>Недостик</a:t>
+                      </a:r>
+                      <a:r>
+                        <a:rPr lang="bg-BG" sz="1800" baseline="0" dirty="0" smtClean="0"/>
+                        <a:t> на време</a:t>
+                      </a:r>
+                      <a:endParaRPr lang="en-US" sz="1800" dirty="0"/>
+                    </a:p>
+                  </a:txBody>
+                  <a:tcPr/>
+                </a:tc>
+                <a:tc>
+                  <a:txBody>
+                    <a:bodyPr/>
+                    <a:lstStyle/>
+                    <a:p>
+                      <a:r>
+                        <a:rPr lang="bg-BG" dirty="0" smtClean="0"/>
+                        <a:t>Ускоряване</a:t>
+                      </a:r>
+                      <a:r>
+                        <a:rPr lang="bg-BG" baseline="0" dirty="0" smtClean="0"/>
+                        <a:t> на работата</a:t>
+                      </a:r>
+                      <a:endParaRPr lang="en-US" dirty="0"/>
+                    </a:p>
+                  </a:txBody>
+                  <a:tcPr/>
+                </a:tc>
+                <a:tc>
+                  <a:txBody>
+                    <a:bodyPr/>
+                    <a:lstStyle/>
+                    <a:p>
+                      <a:r>
+                        <a:rPr lang="bg-BG" dirty="0" smtClean="0"/>
+                        <a:t>Средна</a:t>
+                      </a:r>
+                      <a:endParaRPr lang="en-US" dirty="0"/>
+                    </a:p>
+                  </a:txBody>
+                  <a:tcPr/>
+                </a:tc>
+                <a:tc>
+                  <a:txBody>
+                    <a:bodyPr/>
+                    <a:lstStyle/>
+                    <a:p>
+                      <a:r>
+                        <a:rPr lang="bg-BG" dirty="0" smtClean="0"/>
+                        <a:t>Високо</a:t>
+                      </a:r>
+                      <a:endParaRPr lang="en-US" dirty="0"/>
+                    </a:p>
+                  </a:txBody>
+                  <a:tcPr/>
+                </a:tc>
+              </a:tr>
+              <a:tr h="713298">
+                <a:tc>
+                  <a:txBody>
+                    <a:bodyPr/>
+                    <a:lstStyle/>
+                    <a:p>
+                      <a:r>
+                        <a:rPr lang="bg-BG" dirty="0" smtClean="0"/>
+                        <a:t>Напускане на член</a:t>
+                      </a:r>
+                      <a:endParaRPr lang="en-US" dirty="0"/>
+                    </a:p>
+                  </a:txBody>
+                  <a:tcPr/>
+                </a:tc>
+                <a:tc>
+                  <a:txBody>
+                    <a:bodyPr/>
+                    <a:lstStyle/>
+                    <a:p>
+                      <a:r>
+                        <a:rPr lang="bg-BG" dirty="0" smtClean="0"/>
+                        <a:t>Търсене на нов</a:t>
+                      </a:r>
+                      <a:endParaRPr lang="en-US" dirty="0"/>
+                    </a:p>
+                  </a:txBody>
+                  <a:tcPr/>
+                </a:tc>
+                <a:tc>
+                  <a:txBody>
+                    <a:bodyPr/>
+                    <a:lstStyle/>
+                    <a:p>
+                      <a:r>
+                        <a:rPr lang="bg-BG" dirty="0" smtClean="0"/>
+                        <a:t>Ниска</a:t>
+                      </a:r>
+                      <a:endParaRPr lang="en-US" dirty="0"/>
+                    </a:p>
+                  </a:txBody>
+                  <a:tcPr/>
+                </a:tc>
+                <a:tc>
+                  <a:txBody>
+                    <a:bodyPr/>
+                    <a:lstStyle/>
+                    <a:p>
+                      <a:r>
+                        <a:rPr lang="bg-BG" dirty="0" smtClean="0"/>
+                        <a:t>Средно</a:t>
+                      </a:r>
+                      <a:endParaRPr lang="en-US" dirty="0"/>
+                    </a:p>
+                  </a:txBody>
+                  <a:tcPr/>
+                </a:tc>
+              </a:tr>
+              <a:tr h="713298">
+                <a:tc>
+                  <a:txBody>
+                    <a:bodyPr/>
+                    <a:lstStyle/>
+                    <a:p>
+                      <a:r>
+                        <a:rPr lang="bg-BG" dirty="0" smtClean="0"/>
+                        <a:t>Здравословни проблеми</a:t>
+                      </a:r>
+                      <a:endParaRPr lang="en-US" dirty="0"/>
+                    </a:p>
+                  </a:txBody>
+                  <a:tcPr/>
+                </a:tc>
+                <a:tc>
+                  <a:txBody>
+                    <a:bodyPr/>
+                    <a:lstStyle/>
+                    <a:p>
+                      <a:r>
+                        <a:rPr lang="bg-BG" dirty="0" smtClean="0"/>
+                        <a:t>Помощ</a:t>
+                      </a:r>
+                      <a:r>
+                        <a:rPr lang="bg-BG" baseline="0" dirty="0" smtClean="0"/>
+                        <a:t> с работата</a:t>
+                      </a:r>
+                      <a:endParaRPr lang="en-US" dirty="0"/>
+                    </a:p>
+                  </a:txBody>
+                  <a:tcPr/>
+                </a:tc>
+                <a:tc>
+                  <a:txBody>
+                    <a:bodyPr/>
+                    <a:lstStyle/>
+                    <a:p>
+                      <a:r>
+                        <a:rPr lang="bg-BG" dirty="0" smtClean="0"/>
+                        <a:t>Висока</a:t>
+                      </a:r>
+                      <a:endParaRPr lang="en-US" dirty="0"/>
+                    </a:p>
+                  </a:txBody>
+                  <a:tcPr/>
+                </a:tc>
+                <a:tc>
+                  <a:txBody>
+                    <a:bodyPr/>
+                    <a:lstStyle/>
+                    <a:p>
+                      <a:r>
+                        <a:rPr lang="bg-BG" dirty="0" smtClean="0"/>
+                        <a:t>Високо</a:t>
+                      </a:r>
+                      <a:endParaRPr lang="en-US" dirty="0"/>
+                    </a:p>
+                  </a:txBody>
+                  <a:tcPr/>
+                </a:tc>
+              </a:tr>
+            </a:tbl>
+          </a:graphicData>
+        </a:graphic>
+      </p:graphicFrame>
+    </p:spTree>
+    <p:extLst>
+      <p:ext uri="{BB962C8B-B14F-4D97-AF65-F5344CB8AC3E}">
+        <p14:creationId xmlns:p14="http://schemas.microsoft.com/office/powerpoint/2010/main" val="3562761854"/>
+      </p:ext>
+    </p:extLst>
+  </p:cSld>
+  <p:clrMapOvr>
+    <a:masterClrMapping/>
+  </p:clrMapOvr>
+  <mc:AlternateContent xmlns:mc="http://schemas.openxmlformats.org/markup-compatibility/2006">
+    <mc:Choice xmlns:p14="http://schemas.microsoft.com/office/powerpoint/2010/main" Requires="p14">
+      <p:transition spd="med" p14:dur="700">
+        <p:fade/>
+      </p:transition>
+    </mc:Choice>
+    <mc:Fallback>
+      <p:transition spd="med">
+        <p:fade/>
+      </p:transition>
+    </mc:Fallback>
+  </mc:AlternateContent>
+  <p:timing>
+    <p:tnLst>
+      <p:par>
+        <p:cTn id="1" dur="indefinite" restart="never" nodeType="tmRoot"/>
+      </p:par>
+    </p:tnLst>
+  </p:timing>
+</p:sld>
+</file>
+
+<file path=ppt/slides/slide13.xml><?xml version="1.0" encoding="utf-8"?>
+<p:sld xmlns:a="http://schemas.openxmlformats.org/drawingml/2006/main" xmlns:r="http://schemas.openxmlformats.org/officeDocument/2006/relationships" xmlns:p="http://schemas.openxmlformats.org/presentationml/2006/main">
+  <p:cSld>
+    <p:spTree>
+      <p:nvGrpSpPr>
+        <p:cNvPr id="1" name=""/>
+        <p:cNvGrpSpPr/>
+        <p:nvPr/>
+      </p:nvGrpSpPr>
+      <p:grpSpPr>
+        <a:xfrm>
+          <a:off x="0" y="0"/>
+          <a:ext cx="0" cy="0"/>
+          <a:chOff x="0" y="0"/>
+          <a:chExt cx="0" cy="0"/>
+        </a:xfrm>
+      </p:grpSpPr>
+      <p:sp>
+        <p:nvSpPr>
           <p:cNvPr id="2" name="Title 1">
             <a:extLst>
               <a:ext uri="{FF2B5EF4-FFF2-40B4-BE49-F238E27FC236}">
-                <a16:creationId xmlns:a16="http://schemas.microsoft.com/office/drawing/2014/main" id="{B14E5D18-18A5-46E4-8053-3DEB502AC5F3}"/>
+                <a16:creationId xmlns:a16="http://schemas.microsoft.com/office/drawing/2014/main" xmlns="" id="{B14E5D18-18A5-46E4-8053-3DEB502AC5F3}"/>
               </a:ext>
             </a:extLst>
           </p:cNvPr>
@@ -12500,7 +13166,7 @@
           <p:cNvPr id="7170" name="Picture 2">
             <a:extLst>
               <a:ext uri="{FF2B5EF4-FFF2-40B4-BE49-F238E27FC236}">
-                <a16:creationId xmlns:a16="http://schemas.microsoft.com/office/drawing/2014/main" id="{FFE02837-6909-48F9-9797-6B26488E68EB}"/>
+                <a16:creationId xmlns:a16="http://schemas.microsoft.com/office/drawing/2014/main" xmlns="" id="{FFE02837-6909-48F9-9797-6B26488E68EB}"/>
               </a:ext>
             </a:extLst>
           </p:cNvPr>
@@ -12565,7 +13231,7 @@
           <p:cNvPr id="7172" name="Picture 4">
             <a:extLst>
               <a:ext uri="{FF2B5EF4-FFF2-40B4-BE49-F238E27FC236}">
-                <a16:creationId xmlns:a16="http://schemas.microsoft.com/office/drawing/2014/main" id="{9BE0BCBF-3253-449D-9CE6-FDBF262EE1F7}"/>
+                <a16:creationId xmlns:a16="http://schemas.microsoft.com/office/drawing/2014/main" xmlns="" id="{9BE0BCBF-3253-449D-9CE6-FDBF262EE1F7}"/>
               </a:ext>
             </a:extLst>
           </p:cNvPr>
@@ -12633,22 +13299,29 @@
   <p:clrMapOvr>
     <a:masterClrMapping/>
   </p:clrMapOvr>
-  <mc:AlternateContent xmlns:mc="http://schemas.openxmlformats.org/markup-compatibility/2006">
-    <mc:Choice xmlns:p14="http://schemas.microsoft.com/office/powerpoint/2010/main" Requires="p14">
+  <mc:AlternateContent xmlns:mc="http://schemas.openxmlformats.org/markup-compatibility/2006" xmlns:p14="http://schemas.microsoft.com/office/powerpoint/2010/main">
+    <mc:Choice Requires="p14">
       <p:transition spd="med" p14:dur="700">
         <p:fade/>
       </p:transition>
     </mc:Choice>
-    <mc:Fallback>
+    <mc:Fallback xmlns="">
       <p:transition spd="med">
         <p:fade/>
       </p:transition>
     </mc:Fallback>
   </mc:AlternateContent>
+  <p:timing>
+    <p:tnLst>
+      <p:par>
+        <p:cTn id="1" dur="indefinite" restart="never" nodeType="tmRoot"/>
+      </p:par>
+    </p:tnLst>
+  </p:timing>
 </p:sld>
 </file>
 
-<file path=ppt/slides/slide11.xml><?xml version="1.0" encoding="utf-8"?>
+<file path=ppt/slides/slide14.xml><?xml version="1.0" encoding="utf-8"?>
 <p:sld xmlns:a="http://schemas.openxmlformats.org/drawingml/2006/main" xmlns:r="http://schemas.openxmlformats.org/officeDocument/2006/relationships" xmlns:p="http://schemas.openxmlformats.org/presentationml/2006/main">
   <p:cSld>
     <p:spTree>
@@ -12670,7 +13343,7 @@
           <p:cNvPr id="2" name="Title 1">
             <a:extLst>
               <a:ext uri="{FF2B5EF4-FFF2-40B4-BE49-F238E27FC236}">
-                <a16:creationId xmlns:a16="http://schemas.microsoft.com/office/drawing/2014/main" id="{CC522A54-1B17-4D07-A224-9E961750ADA9}"/>
+                <a16:creationId xmlns:a16="http://schemas.microsoft.com/office/drawing/2014/main" xmlns="" id="{CC522A54-1B17-4D07-A224-9E961750ADA9}"/>
               </a:ext>
             </a:extLst>
           </p:cNvPr>
@@ -12699,7 +13372,7 @@
           <p:cNvPr id="8196" name="Picture 4">
             <a:extLst>
               <a:ext uri="{FF2B5EF4-FFF2-40B4-BE49-F238E27FC236}">
-                <a16:creationId xmlns:a16="http://schemas.microsoft.com/office/drawing/2014/main" id="{DE51327A-6BDD-4C21-965F-E3FD2E81ECF8}"/>
+                <a16:creationId xmlns:a16="http://schemas.microsoft.com/office/drawing/2014/main" xmlns="" id="{DE51327A-6BDD-4C21-965F-E3FD2E81ECF8}"/>
               </a:ext>
             </a:extLst>
           </p:cNvPr>
@@ -12764,7 +13437,7 @@
           <p:cNvPr id="8198" name="Picture 6">
             <a:extLst>
               <a:ext uri="{FF2B5EF4-FFF2-40B4-BE49-F238E27FC236}">
-                <a16:creationId xmlns:a16="http://schemas.microsoft.com/office/drawing/2014/main" id="{12FC063A-D274-453D-A1B9-C14479DEC811}"/>
+                <a16:creationId xmlns:a16="http://schemas.microsoft.com/office/drawing/2014/main" xmlns="" id="{12FC063A-D274-453D-A1B9-C14479DEC811}"/>
               </a:ext>
             </a:extLst>
           </p:cNvPr>
@@ -12832,22 +13505,29 @@
   <p:clrMapOvr>
     <a:masterClrMapping/>
   </p:clrMapOvr>
-  <mc:AlternateContent xmlns:mc="http://schemas.openxmlformats.org/markup-compatibility/2006">
-    <mc:Choice xmlns:p14="http://schemas.microsoft.com/office/powerpoint/2010/main" Requires="p14">
+  <mc:AlternateContent xmlns:mc="http://schemas.openxmlformats.org/markup-compatibility/2006" xmlns:p14="http://schemas.microsoft.com/office/powerpoint/2010/main">
+    <mc:Choice Requires="p14">
       <p:transition spd="med" p14:dur="700">
         <p:fade/>
       </p:transition>
     </mc:Choice>
-    <mc:Fallback>
+    <mc:Fallback xmlns="">
       <p:transition spd="med">
         <p:fade/>
       </p:transition>
     </mc:Fallback>
   </mc:AlternateContent>
+  <p:timing>
+    <p:tnLst>
+      <p:par>
+        <p:cTn id="1" dur="indefinite" restart="never" nodeType="tmRoot"/>
+      </p:par>
+    </p:tnLst>
+  </p:timing>
 </p:sld>
 </file>
 
-<file path=ppt/slides/slide12.xml><?xml version="1.0" encoding="utf-8"?>
+<file path=ppt/slides/slide15.xml><?xml version="1.0" encoding="utf-8"?>
 <p:sld xmlns:a="http://schemas.openxmlformats.org/drawingml/2006/main" xmlns:r="http://schemas.openxmlformats.org/officeDocument/2006/relationships" xmlns:p="http://schemas.openxmlformats.org/presentationml/2006/main">
   <p:cSld>
     <p:spTree>
@@ -12869,7 +13549,7 @@
           <p:cNvPr id="2" name="Title 1">
             <a:extLst>
               <a:ext uri="{FF2B5EF4-FFF2-40B4-BE49-F238E27FC236}">
-                <a16:creationId xmlns:a16="http://schemas.microsoft.com/office/drawing/2014/main" id="{C3792942-67DD-4E3E-9C7A-5270FC2A9E90}"/>
+                <a16:creationId xmlns:a16="http://schemas.microsoft.com/office/drawing/2014/main" xmlns="" id="{C3792942-67DD-4E3E-9C7A-5270FC2A9E90}"/>
               </a:ext>
             </a:extLst>
           </p:cNvPr>
@@ -12903,7 +13583,7 @@
           <p:cNvPr id="9218" name="Picture 2">
             <a:extLst>
               <a:ext uri="{FF2B5EF4-FFF2-40B4-BE49-F238E27FC236}">
-                <a16:creationId xmlns:a16="http://schemas.microsoft.com/office/drawing/2014/main" id="{B783185F-3E2C-4A0D-B75C-97B82F917110}"/>
+                <a16:creationId xmlns:a16="http://schemas.microsoft.com/office/drawing/2014/main" xmlns="" id="{B783185F-3E2C-4A0D-B75C-97B82F917110}"/>
               </a:ext>
             </a:extLst>
           </p:cNvPr>
@@ -12968,7 +13648,7 @@
           <p:cNvPr id="9220" name="Picture 4">
             <a:extLst>
               <a:ext uri="{FF2B5EF4-FFF2-40B4-BE49-F238E27FC236}">
-                <a16:creationId xmlns:a16="http://schemas.microsoft.com/office/drawing/2014/main" id="{6BE8ED5E-124D-4B81-A89B-B7CFFD01BDDC}"/>
+                <a16:creationId xmlns:a16="http://schemas.microsoft.com/office/drawing/2014/main" xmlns="" id="{6BE8ED5E-124D-4B81-A89B-B7CFFD01BDDC}"/>
               </a:ext>
             </a:extLst>
           </p:cNvPr>
@@ -13036,22 +13716,29 @@
   <p:clrMapOvr>
     <a:masterClrMapping/>
   </p:clrMapOvr>
-  <mc:AlternateContent xmlns:mc="http://schemas.openxmlformats.org/markup-compatibility/2006">
-    <mc:Choice xmlns:p14="http://schemas.microsoft.com/office/powerpoint/2010/main" Requires="p14">
+  <mc:AlternateContent xmlns:mc="http://schemas.openxmlformats.org/markup-compatibility/2006" xmlns:p14="http://schemas.microsoft.com/office/powerpoint/2010/main">
+    <mc:Choice Requires="p14">
       <p:transition spd="med" p14:dur="700">
         <p:fade/>
       </p:transition>
     </mc:Choice>
-    <mc:Fallback>
+    <mc:Fallback xmlns="">
       <p:transition spd="med">
         <p:fade/>
       </p:transition>
     </mc:Fallback>
   </mc:AlternateContent>
+  <p:timing>
+    <p:tnLst>
+      <p:par>
+        <p:cTn id="1" dur="indefinite" restart="never" nodeType="tmRoot"/>
+      </p:par>
+    </p:tnLst>
+  </p:timing>
 </p:sld>
 </file>
 
-<file path=ppt/slides/slide13.xml><?xml version="1.0" encoding="utf-8"?>
+<file path=ppt/slides/slide16.xml><?xml version="1.0" encoding="utf-8"?>
 <p:sld xmlns:a="http://schemas.openxmlformats.org/drawingml/2006/main" xmlns:r="http://schemas.openxmlformats.org/officeDocument/2006/relationships" xmlns:p="http://schemas.openxmlformats.org/presentationml/2006/main">
   <p:cSld>
     <p:spTree>
@@ -13073,7 +13760,7 @@
           <p:cNvPr id="2" name="Title 1">
             <a:extLst>
               <a:ext uri="{FF2B5EF4-FFF2-40B4-BE49-F238E27FC236}">
-                <a16:creationId xmlns:a16="http://schemas.microsoft.com/office/drawing/2014/main" id="{DFCC6AF1-6E7C-4F87-A066-A70E3A007EAE}"/>
+                <a16:creationId xmlns:a16="http://schemas.microsoft.com/office/drawing/2014/main" xmlns="" id="{DFCC6AF1-6E7C-4F87-A066-A70E3A007EAE}"/>
               </a:ext>
             </a:extLst>
           </p:cNvPr>
@@ -13102,7 +13789,7 @@
           <p:cNvPr id="10242" name="Picture 2">
             <a:extLst>
               <a:ext uri="{FF2B5EF4-FFF2-40B4-BE49-F238E27FC236}">
-                <a16:creationId xmlns:a16="http://schemas.microsoft.com/office/drawing/2014/main" id="{A2297AB8-5AEF-45FC-9D14-B34CAB31FCAD}"/>
+                <a16:creationId xmlns:a16="http://schemas.microsoft.com/office/drawing/2014/main" xmlns="" id="{A2297AB8-5AEF-45FC-9D14-B34CAB31FCAD}"/>
               </a:ext>
             </a:extLst>
           </p:cNvPr>
@@ -13167,7 +13854,7 @@
           <p:cNvPr id="10244" name="Picture 4">
             <a:extLst>
               <a:ext uri="{FF2B5EF4-FFF2-40B4-BE49-F238E27FC236}">
-                <a16:creationId xmlns:a16="http://schemas.microsoft.com/office/drawing/2014/main" id="{19DE8F37-47C1-4E1D-9639-06B8339190F2}"/>
+                <a16:creationId xmlns:a16="http://schemas.microsoft.com/office/drawing/2014/main" xmlns="" id="{19DE8F37-47C1-4E1D-9639-06B8339190F2}"/>
               </a:ext>
             </a:extLst>
           </p:cNvPr>
@@ -13230,7 +13917,7 @@
           <p:cNvPr id="10246" name="Picture 6">
             <a:extLst>
               <a:ext uri="{FF2B5EF4-FFF2-40B4-BE49-F238E27FC236}">
-                <a16:creationId xmlns:a16="http://schemas.microsoft.com/office/drawing/2014/main" id="{CF737557-2B95-4A9F-9D11-A583D8B74C0D}"/>
+                <a16:creationId xmlns:a16="http://schemas.microsoft.com/office/drawing/2014/main" xmlns="" id="{CF737557-2B95-4A9F-9D11-A583D8B74C0D}"/>
               </a:ext>
             </a:extLst>
           </p:cNvPr>
@@ -13298,6 +13985,258 @@
   <p:clrMapOvr>
     <a:masterClrMapping/>
   </p:clrMapOvr>
+  <mc:AlternateContent xmlns:mc="http://schemas.openxmlformats.org/markup-compatibility/2006" xmlns:p14="http://schemas.microsoft.com/office/powerpoint/2010/main">
+    <mc:Choice Requires="p14">
+      <p:transition spd="med" p14:dur="700">
+        <p:fade/>
+      </p:transition>
+    </mc:Choice>
+    <mc:Fallback xmlns="">
+      <p:transition spd="med">
+        <p:fade/>
+      </p:transition>
+    </mc:Fallback>
+  </mc:AlternateContent>
+  <p:timing>
+    <p:tnLst>
+      <p:par>
+        <p:cTn id="1" dur="indefinite" restart="never" nodeType="tmRoot"/>
+      </p:par>
+    </p:tnLst>
+  </p:timing>
+</p:sld>
+</file>
+
+<file path=ppt/slides/slide17.xml><?xml version="1.0" encoding="utf-8"?>
+<p:sld xmlns:a="http://schemas.openxmlformats.org/drawingml/2006/main" xmlns:r="http://schemas.openxmlformats.org/officeDocument/2006/relationships" xmlns:p="http://schemas.openxmlformats.org/presentationml/2006/main">
+  <p:cSld>
+    <p:spTree>
+      <p:nvGrpSpPr>
+        <p:cNvPr id="1" name=""/>
+        <p:cNvGrpSpPr/>
+        <p:nvPr/>
+      </p:nvGrpSpPr>
+      <p:grpSpPr>
+        <a:xfrm>
+          <a:off x="0" y="0"/>
+          <a:ext cx="0" cy="0"/>
+          <a:chOff x="0" y="0"/>
+          <a:chExt cx="0" cy="0"/>
+        </a:xfrm>
+      </p:grpSpPr>
+      <p:sp>
+        <p:nvSpPr>
+          <p:cNvPr id="2" name="Title 1"/>
+          <p:cNvSpPr>
+            <a:spLocks noGrp="1"/>
+          </p:cNvSpPr>
+          <p:nvPr>
+            <p:ph type="title"/>
+          </p:nvPr>
+        </p:nvSpPr>
+        <p:spPr>
+          <a:xfrm>
+            <a:off x="2527413" y="170613"/>
+            <a:ext cx="6779873" cy="1478570"/>
+          </a:xfrm>
+        </p:spPr>
+        <p:txBody>
+          <a:bodyPr/>
+          <a:lstStyle/>
+          <a:p>
+            <a:pPr algn="ctr"/>
+            <a:r>
+              <a:rPr lang="bg-BG" dirty="0" smtClean="0"/>
+              <a:t>Главна Структура на проекта</a:t>
+            </a:r>
+            <a:endParaRPr lang="en-US" dirty="0"/>
+          </a:p>
+        </p:txBody>
+      </p:sp>
+      <p:pic>
+        <p:nvPicPr>
+          <p:cNvPr id="4" name="Picture 3" descr="model"/>
+          <p:cNvPicPr/>
+          <p:nvPr/>
+        </p:nvPicPr>
+        <p:blipFill>
+          <a:blip r:embed="rId2">
+            <a:extLst>
+              <a:ext uri="{28A0092B-C50C-407E-A947-70E740481C1C}">
+                <a14:useLocalDpi xmlns:a14="http://schemas.microsoft.com/office/drawing/2010/main" val="0"/>
+              </a:ext>
+            </a:extLst>
+          </a:blip>
+          <a:srcRect/>
+          <a:stretch>
+            <a:fillRect/>
+          </a:stretch>
+        </p:blipFill>
+        <p:spPr bwMode="auto">
+          <a:xfrm>
+            <a:off x="571500" y="1463224"/>
+            <a:ext cx="5959929" cy="5019220"/>
+          </a:xfrm>
+          <a:prstGeom prst="rect">
+            <a:avLst/>
+          </a:prstGeom>
+          <a:noFill/>
+        </p:spPr>
+      </p:pic>
+      <p:sp>
+        <p:nvSpPr>
+          <p:cNvPr id="5" name="TextBox 4"/>
+          <p:cNvSpPr txBox="1"/>
+          <p:nvPr/>
+        </p:nvSpPr>
+        <p:spPr>
+          <a:xfrm>
+            <a:off x="5265964" y="1649183"/>
+            <a:ext cx="5902779" cy="3816429"/>
+          </a:xfrm>
+          <a:prstGeom prst="rect">
+            <a:avLst/>
+          </a:prstGeom>
+          <a:noFill/>
+        </p:spPr>
+        <p:txBody>
+          <a:bodyPr wrap="square" rtlCol="0">
+            <a:spAutoFit/>
+          </a:bodyPr>
+          <a:lstStyle/>
+          <a:p>
+            <a:pPr lvl="0"/>
+            <a:r>
+              <a:rPr lang="bg-BG" sz="2800" b="1" dirty="0" smtClean="0"/>
+              <a:t>Модули:</a:t>
+            </a:r>
+          </a:p>
+          <a:p>
+            <a:pPr lvl="0"/>
+            <a:endParaRPr lang="bg-BG" sz="2400" b="1" dirty="0" smtClean="0"/>
+          </a:p>
+          <a:p>
+            <a:pPr lvl="1"/>
+            <a:r>
+              <a:rPr lang="en-US" sz="2400" b="1" dirty="0" smtClean="0"/>
+              <a:t>User </a:t>
+            </a:r>
+            <a:r>
+              <a:rPr lang="en-US" sz="2400" b="1" dirty="0"/>
+              <a:t>Interface </a:t>
+            </a:r>
+            <a:r>
+              <a:rPr lang="en-US" dirty="0"/>
+              <a:t>– </a:t>
+            </a:r>
+            <a:r>
+              <a:rPr lang="bg-BG" dirty="0"/>
+              <a:t>Потребителски </a:t>
+            </a:r>
+            <a:r>
+              <a:rPr lang="bg-BG" dirty="0" smtClean="0"/>
+              <a:t>интерфейс</a:t>
+            </a:r>
+          </a:p>
+          <a:p>
+            <a:pPr lvl="1"/>
+            <a:endParaRPr lang="en-US" dirty="0" smtClean="0"/>
+          </a:p>
+          <a:p>
+            <a:pPr lvl="1"/>
+            <a:r>
+              <a:rPr lang="en-US" sz="2400" b="1" dirty="0" smtClean="0"/>
+              <a:t>Business </a:t>
+            </a:r>
+            <a:r>
+              <a:rPr lang="en-US" sz="2400" b="1" dirty="0"/>
+              <a:t>Logic </a:t>
+            </a:r>
+            <a:r>
+              <a:rPr lang="en-US" dirty="0" smtClean="0"/>
+              <a:t>–</a:t>
+            </a:r>
+            <a:r>
+              <a:rPr lang="bg-BG" dirty="0" smtClean="0"/>
+              <a:t> за бизнес </a:t>
+            </a:r>
+            <a:r>
+              <a:rPr lang="bg-BG" dirty="0"/>
+              <a:t>идеите и правилата. </a:t>
+            </a:r>
+            <a:endParaRPr lang="bg-BG" dirty="0" smtClean="0"/>
+          </a:p>
+          <a:p>
+            <a:pPr lvl="1"/>
+            <a:endParaRPr lang="en-US" dirty="0"/>
+          </a:p>
+          <a:p>
+            <a:pPr lvl="1"/>
+            <a:r>
+              <a:rPr lang="en-US" sz="2400" b="1" dirty="0"/>
+              <a:t>Services</a:t>
+            </a:r>
+            <a:r>
+              <a:rPr lang="en-US" dirty="0"/>
+              <a:t> </a:t>
+            </a:r>
+            <a:r>
+              <a:rPr lang="bg-BG" dirty="0" smtClean="0"/>
+              <a:t>–</a:t>
+            </a:r>
+            <a:r>
+              <a:rPr lang="en-US" dirty="0" smtClean="0"/>
+              <a:t> </a:t>
+            </a:r>
+            <a:r>
+              <a:rPr lang="bg-BG" dirty="0" smtClean="0"/>
+              <a:t>за странични операции</a:t>
+            </a:r>
+          </a:p>
+          <a:p>
+            <a:pPr lvl="1"/>
+            <a:endParaRPr lang="en-US" dirty="0"/>
+          </a:p>
+          <a:p>
+            <a:pPr lvl="1"/>
+            <a:r>
+              <a:rPr lang="en-US" sz="2400" b="1" dirty="0"/>
+              <a:t>DAO</a:t>
+            </a:r>
+            <a:r>
+              <a:rPr lang="bg-BG" sz="2400" b="1" dirty="0"/>
+              <a:t>(</a:t>
+            </a:r>
+            <a:r>
+              <a:rPr lang="en-US" sz="2400" b="1" dirty="0"/>
+              <a:t>Data Access Object</a:t>
+            </a:r>
+            <a:r>
+              <a:rPr lang="bg-BG" sz="2400" b="1" dirty="0"/>
+              <a:t>) </a:t>
+            </a:r>
+            <a:r>
+              <a:rPr lang="bg-BG" dirty="0" smtClean="0"/>
+              <a:t>– за извършване </a:t>
+            </a:r>
+            <a:r>
+              <a:rPr lang="bg-BG" dirty="0"/>
+              <a:t>на операции с базата данни</a:t>
+            </a:r>
+            <a:endParaRPr lang="en-US" dirty="0"/>
+          </a:p>
+        </p:txBody>
+      </p:sp>
+    </p:spTree>
+    <p:extLst>
+      <p:ext uri="{BB962C8B-B14F-4D97-AF65-F5344CB8AC3E}">
+        <p14:creationId xmlns:p14="http://schemas.microsoft.com/office/powerpoint/2010/main" val="554205007"/>
+      </p:ext>
+    </p:extLst>
+  </p:cSld>
+  <p:clrMapOvr>
+    <a:masterClrMapping/>
+  </p:clrMapOvr>
   <mc:AlternateContent xmlns:mc="http://schemas.openxmlformats.org/markup-compatibility/2006">
     <mc:Choice xmlns:p14="http://schemas.microsoft.com/office/powerpoint/2010/main" Requires="p14">
       <p:transition spd="med" p14:dur="700">
@@ -13310,10 +14249,142 @@
       </p:transition>
     </mc:Fallback>
   </mc:AlternateContent>
+  <p:timing>
+    <p:tnLst>
+      <p:par>
+        <p:cTn id="1" dur="indefinite" restart="never" nodeType="tmRoot"/>
+      </p:par>
+    </p:tnLst>
+  </p:timing>
 </p:sld>
 </file>
 
-<file path=ppt/slides/slide14.xml><?xml version="1.0" encoding="utf-8"?>
+<file path=ppt/slides/slide18.xml><?xml version="1.0" encoding="utf-8"?>
+<p:sld xmlns:a="http://schemas.openxmlformats.org/drawingml/2006/main" xmlns:r="http://schemas.openxmlformats.org/officeDocument/2006/relationships" xmlns:p="http://schemas.openxmlformats.org/presentationml/2006/main">
+  <p:cSld>
+    <p:spTree>
+      <p:nvGrpSpPr>
+        <p:cNvPr id="1" name=""/>
+        <p:cNvGrpSpPr/>
+        <p:nvPr/>
+      </p:nvGrpSpPr>
+      <p:grpSpPr>
+        <a:xfrm>
+          <a:off x="0" y="0"/>
+          <a:ext cx="0" cy="0"/>
+          <a:chOff x="0" y="0"/>
+          <a:chExt cx="0" cy="0"/>
+        </a:xfrm>
+      </p:grpSpPr>
+      <p:sp>
+        <p:nvSpPr>
+          <p:cNvPr id="2" name="Title 1"/>
+          <p:cNvSpPr>
+            <a:spLocks noGrp="1"/>
+          </p:cNvSpPr>
+          <p:nvPr>
+            <p:ph type="title"/>
+          </p:nvPr>
+        </p:nvSpPr>
+        <p:spPr/>
+        <p:txBody>
+          <a:bodyPr/>
+          <a:lstStyle/>
+          <a:p>
+            <a:pPr algn="ctr"/>
+            <a:r>
+              <a:rPr lang="bg-BG" dirty="0" smtClean="0"/>
+              <a:t>Трудности при реализацията</a:t>
+            </a:r>
+            <a:endParaRPr lang="en-US" dirty="0"/>
+          </a:p>
+        </p:txBody>
+      </p:sp>
+      <p:sp>
+        <p:nvSpPr>
+          <p:cNvPr id="3" name="Content Placeholder 2"/>
+          <p:cNvSpPr>
+            <a:spLocks noGrp="1"/>
+          </p:cNvSpPr>
+          <p:nvPr>
+            <p:ph idx="1"/>
+          </p:nvPr>
+        </p:nvSpPr>
+        <p:spPr>
+          <a:xfrm>
+            <a:off x="1133248" y="2616880"/>
+            <a:ext cx="9905999" cy="2526620"/>
+          </a:xfrm>
+        </p:spPr>
+        <p:txBody>
+          <a:bodyPr/>
+          <a:lstStyle/>
+          <a:p>
+            <a:r>
+              <a:rPr lang="bg-BG" dirty="0" smtClean="0"/>
+              <a:t>Трудност при конфигурацията на </a:t>
+            </a:r>
+            <a:r>
+              <a:rPr lang="en-US" dirty="0" smtClean="0"/>
+              <a:t>Log4J</a:t>
+            </a:r>
+            <a:r>
+              <a:rPr lang="bg-BG" dirty="0" smtClean="0"/>
+              <a:t>2</a:t>
+            </a:r>
+          </a:p>
+          <a:p>
+            <a:r>
+              <a:rPr lang="bg-BG" dirty="0" smtClean="0"/>
+              <a:t>Трудност при търсене на начин за реализация на търсачката на коли</a:t>
+            </a:r>
+          </a:p>
+          <a:p>
+            <a:r>
+              <a:rPr lang="bg-BG" dirty="0" smtClean="0"/>
+              <a:t>Трудност при работа с някои функционалности на </a:t>
+            </a:r>
+            <a:r>
+              <a:rPr lang="en-US" dirty="0" err="1" smtClean="0"/>
+              <a:t>git</a:t>
+            </a:r>
+            <a:endParaRPr lang="en-US" dirty="0"/>
+          </a:p>
+        </p:txBody>
+      </p:sp>
+    </p:spTree>
+    <p:extLst>
+      <p:ext uri="{BB962C8B-B14F-4D97-AF65-F5344CB8AC3E}">
+        <p14:creationId xmlns:p14="http://schemas.microsoft.com/office/powerpoint/2010/main" val="2843876823"/>
+      </p:ext>
+    </p:extLst>
+  </p:cSld>
+  <p:clrMapOvr>
+    <a:masterClrMapping/>
+  </p:clrMapOvr>
+  <mc:AlternateContent xmlns:mc="http://schemas.openxmlformats.org/markup-compatibility/2006">
+    <mc:Choice xmlns:p14="http://schemas.microsoft.com/office/powerpoint/2010/main" Requires="p14">
+      <p:transition spd="med" p14:dur="700">
+        <p:fade/>
+      </p:transition>
+    </mc:Choice>
+    <mc:Fallback>
+      <p:transition spd="med">
+        <p:fade/>
+      </p:transition>
+    </mc:Fallback>
+  </mc:AlternateContent>
+  <p:timing>
+    <p:tnLst>
+      <p:par>
+        <p:cTn id="1" dur="indefinite" restart="never" nodeType="tmRoot"/>
+      </p:par>
+    </p:tnLst>
+  </p:timing>
+</p:sld>
+</file>
+
+<file path=ppt/slides/slide19.xml><?xml version="1.0" encoding="utf-8"?>
 <p:sld xmlns:a="http://schemas.openxmlformats.org/drawingml/2006/main" xmlns:r="http://schemas.openxmlformats.org/officeDocument/2006/relationships" xmlns:p="http://schemas.openxmlformats.org/presentationml/2006/main">
   <p:cSld>
     <p:spTree>
@@ -13335,7 +14406,7 @@
           <p:cNvPr id="2" name="Title 1">
             <a:extLst>
               <a:ext uri="{FF2B5EF4-FFF2-40B4-BE49-F238E27FC236}">
-                <a16:creationId xmlns:a16="http://schemas.microsoft.com/office/drawing/2014/main" id="{32D952E5-5990-444A-BD35-72F7461711D7}"/>
+                <a16:creationId xmlns:a16="http://schemas.microsoft.com/office/drawing/2014/main" xmlns="" id="{32D952E5-5990-444A-BD35-72F7461711D7}"/>
               </a:ext>
             </a:extLst>
           </p:cNvPr>
@@ -13364,7 +14435,7 @@
           <p:cNvPr id="3" name="Content Placeholder 2">
             <a:extLst>
               <a:ext uri="{FF2B5EF4-FFF2-40B4-BE49-F238E27FC236}">
-                <a16:creationId xmlns:a16="http://schemas.microsoft.com/office/drawing/2014/main" id="{FC779D27-9EA4-473F-90EE-8783A20FAB0E}"/>
+                <a16:creationId xmlns:a16="http://schemas.microsoft.com/office/drawing/2014/main" xmlns="" id="{FC779D27-9EA4-473F-90EE-8783A20FAB0E}"/>
               </a:ext>
             </a:extLst>
           </p:cNvPr>
@@ -13410,22 +14481,165 @@
   <p:clrMapOvr>
     <a:masterClrMapping/>
   </p:clrMapOvr>
-  <mc:AlternateContent xmlns:mc="http://schemas.openxmlformats.org/markup-compatibility/2006">
-    <mc:Choice xmlns:p14="http://schemas.microsoft.com/office/powerpoint/2010/main" Requires="p14">
+  <mc:AlternateContent xmlns:mc="http://schemas.openxmlformats.org/markup-compatibility/2006" xmlns:p14="http://schemas.microsoft.com/office/powerpoint/2010/main">
+    <mc:Choice Requires="p14">
       <p:transition spd="med" p14:dur="700">
         <p:fade/>
       </p:transition>
     </mc:Choice>
-    <mc:Fallback>
+    <mc:Fallback xmlns="">
       <p:transition spd="med">
         <p:fade/>
       </p:transition>
     </mc:Fallback>
   </mc:AlternateContent>
+  <p:timing>
+    <p:tnLst>
+      <p:par>
+        <p:cTn id="1" dur="indefinite" restart="never" nodeType="tmRoot"/>
+      </p:par>
+    </p:tnLst>
+  </p:timing>
 </p:sld>
 </file>
 
-<file path=ppt/slides/slide15.xml><?xml version="1.0" encoding="utf-8"?>
+<file path=ppt/slides/slide2.xml><?xml version="1.0" encoding="utf-8"?>
+<p:sld xmlns:a="http://schemas.openxmlformats.org/drawingml/2006/main" xmlns:r="http://schemas.openxmlformats.org/officeDocument/2006/relationships" xmlns:p="http://schemas.openxmlformats.org/presentationml/2006/main">
+  <p:cSld>
+    <p:spTree>
+      <p:nvGrpSpPr>
+        <p:cNvPr id="1" name=""/>
+        <p:cNvGrpSpPr/>
+        <p:nvPr/>
+      </p:nvGrpSpPr>
+      <p:grpSpPr>
+        <a:xfrm>
+          <a:off x="0" y="0"/>
+          <a:ext cx="0" cy="0"/>
+          <a:chOff x="0" y="0"/>
+          <a:chExt cx="0" cy="0"/>
+        </a:xfrm>
+      </p:grpSpPr>
+      <p:sp>
+        <p:nvSpPr>
+          <p:cNvPr id="2" name="Title 1">
+            <a:extLst>
+              <a:ext uri="{FF2B5EF4-FFF2-40B4-BE49-F238E27FC236}">
+                <a16:creationId xmlns:a16="http://schemas.microsoft.com/office/drawing/2014/main" xmlns="" id="{CF5C6077-1E84-47FC-8FDE-A016B7D45350}"/>
+              </a:ext>
+            </a:extLst>
+          </p:cNvPr>
+          <p:cNvSpPr>
+            <a:spLocks noGrp="1"/>
+          </p:cNvSpPr>
+          <p:nvPr>
+            <p:ph type="title"/>
+          </p:nvPr>
+        </p:nvSpPr>
+        <p:spPr/>
+        <p:txBody>
+          <a:bodyPr/>
+          <a:lstStyle/>
+          <a:p>
+            <a:r>
+              <a:rPr lang="bg-BG" dirty="0"/>
+              <a:t>Описание на проекта</a:t>
+            </a:r>
+            <a:endParaRPr lang="en-US" dirty="0"/>
+          </a:p>
+        </p:txBody>
+      </p:sp>
+      <p:sp>
+        <p:nvSpPr>
+          <p:cNvPr id="3" name="Content Placeholder 2">
+            <a:extLst>
+              <a:ext uri="{FF2B5EF4-FFF2-40B4-BE49-F238E27FC236}">
+                <a16:creationId xmlns:a16="http://schemas.microsoft.com/office/drawing/2014/main" xmlns="" id="{F379DBB8-E1BA-47F0-810E-33114265B52F}"/>
+              </a:ext>
+            </a:extLst>
+          </p:cNvPr>
+          <p:cNvSpPr>
+            <a:spLocks noGrp="1"/>
+          </p:cNvSpPr>
+          <p:nvPr>
+            <p:ph idx="1"/>
+          </p:nvPr>
+        </p:nvSpPr>
+        <p:spPr/>
+        <p:txBody>
+          <a:bodyPr>
+            <a:normAutofit lnSpcReduction="10000"/>
+          </a:bodyPr>
+          <a:lstStyle/>
+          <a:p>
+            <a:r>
+              <a:rPr lang="bg-BG" dirty="0"/>
+              <a:t>Системата позволява добавяне и търсене на автомобили по дадени критерии. Администраторът на системата има право да манипулира данните в системата, а потребителят има право на търсене.</a:t>
+            </a:r>
+          </a:p>
+          <a:p>
+            <a:r>
+              <a:rPr lang="bg-BG" dirty="0"/>
+              <a:t>Функционалности на приложението:</a:t>
+            </a:r>
+          </a:p>
+          <a:p>
+            <a:pPr lvl="1"/>
+            <a:r>
+              <a:rPr lang="bg-BG" dirty="0"/>
+              <a:t>Влизане в системата като администратор или потребител.</a:t>
+            </a:r>
+          </a:p>
+          <a:p>
+            <a:pPr lvl="1"/>
+            <a:r>
+              <a:rPr lang="bg-BG" dirty="0"/>
+              <a:t>Добавяне на автомобили в системата.</a:t>
+            </a:r>
+          </a:p>
+          <a:p>
+            <a:pPr lvl="1"/>
+            <a:r>
+              <a:rPr lang="bg-BG" dirty="0"/>
+              <a:t>Изтриване и търсене.</a:t>
+            </a:r>
+            <a:endParaRPr lang="en-US" dirty="0"/>
+          </a:p>
+        </p:txBody>
+      </p:sp>
+    </p:spTree>
+    <p:extLst>
+      <p:ext uri="{BB962C8B-B14F-4D97-AF65-F5344CB8AC3E}">
+        <p14:creationId xmlns:p14="http://schemas.microsoft.com/office/powerpoint/2010/main" val="1535315108"/>
+      </p:ext>
+    </p:extLst>
+  </p:cSld>
+  <p:clrMapOvr>
+    <a:masterClrMapping/>
+  </p:clrMapOvr>
+  <mc:AlternateContent xmlns:mc="http://schemas.openxmlformats.org/markup-compatibility/2006" xmlns:p14="http://schemas.microsoft.com/office/powerpoint/2010/main">
+    <mc:Choice Requires="p14">
+      <p:transition spd="med" p14:dur="700">
+        <p:fade/>
+      </p:transition>
+    </mc:Choice>
+    <mc:Fallback xmlns="">
+      <p:transition spd="med">
+        <p:fade/>
+      </p:transition>
+    </mc:Fallback>
+  </mc:AlternateContent>
+  <p:timing>
+    <p:tnLst>
+      <p:par>
+        <p:cTn id="1" dur="indefinite" restart="never" nodeType="tmRoot"/>
+      </p:par>
+    </p:tnLst>
+  </p:timing>
+</p:sld>
+</file>
+
+<file path=ppt/slides/slide20.xml><?xml version="1.0" encoding="utf-8"?>
 <p:sld xmlns:a="http://schemas.openxmlformats.org/drawingml/2006/main" xmlns:r="http://schemas.openxmlformats.org/officeDocument/2006/relationships" xmlns:p="http://schemas.openxmlformats.org/presentationml/2006/main">
   <p:cSld>
     <p:spTree>
@@ -13447,7 +14661,7 @@
           <p:cNvPr id="4" name="Title 3">
             <a:extLst>
               <a:ext uri="{FF2B5EF4-FFF2-40B4-BE49-F238E27FC236}">
-                <a16:creationId xmlns:a16="http://schemas.microsoft.com/office/drawing/2014/main" id="{ECBE900C-27A7-4886-BC99-30EA102C6659}"/>
+                <a16:creationId xmlns:a16="http://schemas.microsoft.com/office/drawing/2014/main" xmlns="" id="{ECBE900C-27A7-4886-BC99-30EA102C6659}"/>
               </a:ext>
             </a:extLst>
           </p:cNvPr>
@@ -13478,7 +14692,7 @@
           <p:cNvPr id="11268" name="Picture 4" descr="Ferrari PNG Transparent Image | PNG Mart">
             <a:extLst>
               <a:ext uri="{FF2B5EF4-FFF2-40B4-BE49-F238E27FC236}">
-                <a16:creationId xmlns:a16="http://schemas.microsoft.com/office/drawing/2014/main" id="{CBB44981-6613-412A-9F66-46C70E1792BC}"/>
+                <a16:creationId xmlns:a16="http://schemas.microsoft.com/office/drawing/2014/main" xmlns="" id="{CBB44981-6613-412A-9F66-46C70E1792BC}"/>
               </a:ext>
             </a:extLst>
           </p:cNvPr>
@@ -13530,145 +14744,25 @@
   <p:clrMapOvr>
     <a:masterClrMapping/>
   </p:clrMapOvr>
-  <mc:AlternateContent xmlns:mc="http://schemas.openxmlformats.org/markup-compatibility/2006">
-    <mc:Choice xmlns:p14="http://schemas.microsoft.com/office/powerpoint/2010/main" Requires="p14">
+  <mc:AlternateContent xmlns:mc="http://schemas.openxmlformats.org/markup-compatibility/2006" xmlns:p14="http://schemas.microsoft.com/office/powerpoint/2010/main">
+    <mc:Choice Requires="p14">
       <p:transition spd="med" p14:dur="700">
         <p:fade/>
       </p:transition>
     </mc:Choice>
-    <mc:Fallback>
+    <mc:Fallback xmlns="">
       <p:transition spd="med">
         <p:fade/>
       </p:transition>
     </mc:Fallback>
   </mc:AlternateContent>
-</p:sld>
-</file>
-
-<file path=ppt/slides/slide2.xml><?xml version="1.0" encoding="utf-8"?>
-<p:sld xmlns:a="http://schemas.openxmlformats.org/drawingml/2006/main" xmlns:r="http://schemas.openxmlformats.org/officeDocument/2006/relationships" xmlns:p="http://schemas.openxmlformats.org/presentationml/2006/main">
-  <p:cSld>
-    <p:spTree>
-      <p:nvGrpSpPr>
-        <p:cNvPr id="1" name=""/>
-        <p:cNvGrpSpPr/>
-        <p:nvPr/>
-      </p:nvGrpSpPr>
-      <p:grpSpPr>
-        <a:xfrm>
-          <a:off x="0" y="0"/>
-          <a:ext cx="0" cy="0"/>
-          <a:chOff x="0" y="0"/>
-          <a:chExt cx="0" cy="0"/>
-        </a:xfrm>
-      </p:grpSpPr>
-      <p:sp>
-        <p:nvSpPr>
-          <p:cNvPr id="2" name="Title 1">
-            <a:extLst>
-              <a:ext uri="{FF2B5EF4-FFF2-40B4-BE49-F238E27FC236}">
-                <a16:creationId xmlns:a16="http://schemas.microsoft.com/office/drawing/2014/main" id="{CF5C6077-1E84-47FC-8FDE-A016B7D45350}"/>
-              </a:ext>
-            </a:extLst>
-          </p:cNvPr>
-          <p:cNvSpPr>
-            <a:spLocks noGrp="1"/>
-          </p:cNvSpPr>
-          <p:nvPr>
-            <p:ph type="title"/>
-          </p:nvPr>
-        </p:nvSpPr>
-        <p:spPr/>
-        <p:txBody>
-          <a:bodyPr/>
-          <a:lstStyle/>
-          <a:p>
-            <a:r>
-              <a:rPr lang="bg-BG" dirty="0"/>
-              <a:t>Описание на проекта</a:t>
-            </a:r>
-            <a:endParaRPr lang="en-US" dirty="0"/>
-          </a:p>
-        </p:txBody>
-      </p:sp>
-      <p:sp>
-        <p:nvSpPr>
-          <p:cNvPr id="3" name="Content Placeholder 2">
-            <a:extLst>
-              <a:ext uri="{FF2B5EF4-FFF2-40B4-BE49-F238E27FC236}">
-                <a16:creationId xmlns:a16="http://schemas.microsoft.com/office/drawing/2014/main" id="{F379DBB8-E1BA-47F0-810E-33114265B52F}"/>
-              </a:ext>
-            </a:extLst>
-          </p:cNvPr>
-          <p:cNvSpPr>
-            <a:spLocks noGrp="1"/>
-          </p:cNvSpPr>
-          <p:nvPr>
-            <p:ph idx="1"/>
-          </p:nvPr>
-        </p:nvSpPr>
-        <p:spPr/>
-        <p:txBody>
-          <a:bodyPr/>
-          <a:lstStyle/>
-          <a:p>
-            <a:r>
-              <a:rPr lang="bg-BG" dirty="0"/>
-              <a:t>Системата позволява добавяне и търсене на автомобили по дадени критерии. Администраторът на системата има право да манипулира данните в системата, а потребителят има право на търсене.</a:t>
-            </a:r>
-          </a:p>
-          <a:p>
-            <a:r>
-              <a:rPr lang="bg-BG" dirty="0"/>
-              <a:t>Функционалности на приложението:</a:t>
-            </a:r>
-          </a:p>
-          <a:p>
-            <a:pPr lvl="1"/>
-            <a:r>
-              <a:rPr lang="bg-BG" dirty="0"/>
-              <a:t>Влизане в системата като администратор или потребител.</a:t>
-            </a:r>
-          </a:p>
-          <a:p>
-            <a:pPr lvl="1"/>
-            <a:r>
-              <a:rPr lang="bg-BG" dirty="0"/>
-              <a:t>Добавяне на автомобили в системата.</a:t>
-            </a:r>
-          </a:p>
-          <a:p>
-            <a:pPr lvl="1"/>
-            <a:r>
-              <a:rPr lang="bg-BG" dirty="0"/>
-              <a:t>Изтриване и търсене.</a:t>
-            </a:r>
-            <a:endParaRPr lang="en-US" dirty="0"/>
-          </a:p>
-        </p:txBody>
-      </p:sp>
-    </p:spTree>
-    <p:extLst>
-      <p:ext uri="{BB962C8B-B14F-4D97-AF65-F5344CB8AC3E}">
-        <p14:creationId xmlns:p14="http://schemas.microsoft.com/office/powerpoint/2010/main" val="1535315108"/>
-      </p:ext>
-    </p:extLst>
-  </p:cSld>
-  <p:clrMapOvr>
-    <a:masterClrMapping/>
-  </p:clrMapOvr>
-  <mc:AlternateContent xmlns:mc="http://schemas.openxmlformats.org/markup-compatibility/2006">
-    <mc:Choice xmlns:p14="http://schemas.microsoft.com/office/powerpoint/2010/main" Requires="p14">
-      <p:transition spd="med" p14:dur="700">
-        <p:fade/>
-      </p:transition>
-    </mc:Choice>
-    <mc:Fallback>
-      <p:transition spd="med">
-        <p:fade/>
-      </p:transition>
-    </mc:Fallback>
-  </mc:AlternateContent>
+  <p:timing>
+    <p:tnLst>
+      <p:par>
+        <p:cTn id="1" dur="indefinite" restart="never" nodeType="tmRoot"/>
+      </p:par>
+    </p:tnLst>
+  </p:timing>
 </p:sld>
 </file>
 
@@ -13694,7 +14788,7 @@
           <p:cNvPr id="2" name="Title 1">
             <a:extLst>
               <a:ext uri="{FF2B5EF4-FFF2-40B4-BE49-F238E27FC236}">
-                <a16:creationId xmlns:a16="http://schemas.microsoft.com/office/drawing/2014/main" id="{EA2A2B83-7A4E-4CD6-8B29-9EB7E808C959}"/>
+                <a16:creationId xmlns:a16="http://schemas.microsoft.com/office/drawing/2014/main" xmlns="" id="{EA2A2B83-7A4E-4CD6-8B29-9EB7E808C959}"/>
               </a:ext>
             </a:extLst>
           </p:cNvPr>
@@ -13726,7 +14820,7 @@
           <p:cNvPr id="24" name="Text Placeholder 23">
             <a:extLst>
               <a:ext uri="{FF2B5EF4-FFF2-40B4-BE49-F238E27FC236}">
-                <a16:creationId xmlns:a16="http://schemas.microsoft.com/office/drawing/2014/main" id="{13ACBBCA-0B3D-4AA2-BCC1-9921D33E3377}"/>
+                <a16:creationId xmlns:a16="http://schemas.microsoft.com/office/drawing/2014/main" xmlns="" id="{13ACBBCA-0B3D-4AA2-BCC1-9921D33E3377}"/>
               </a:ext>
             </a:extLst>
           </p:cNvPr>
@@ -13755,7 +14849,7 @@
           <p:cNvPr id="28" name="Text Placeholder 27">
             <a:extLst>
               <a:ext uri="{FF2B5EF4-FFF2-40B4-BE49-F238E27FC236}">
-                <a16:creationId xmlns:a16="http://schemas.microsoft.com/office/drawing/2014/main" id="{678CCEB6-5D9F-42E6-B141-3FC745ABB310}"/>
+                <a16:creationId xmlns:a16="http://schemas.microsoft.com/office/drawing/2014/main" xmlns="" id="{678CCEB6-5D9F-42E6-B141-3FC745ABB310}"/>
               </a:ext>
             </a:extLst>
           </p:cNvPr>
@@ -13790,7 +14884,7 @@
           <p:cNvPr id="25" name="Text Placeholder 24">
             <a:extLst>
               <a:ext uri="{FF2B5EF4-FFF2-40B4-BE49-F238E27FC236}">
-                <a16:creationId xmlns:a16="http://schemas.microsoft.com/office/drawing/2014/main" id="{897D80CD-B5E7-4779-A99D-42908D6238E2}"/>
+                <a16:creationId xmlns:a16="http://schemas.microsoft.com/office/drawing/2014/main" xmlns="" id="{897D80CD-B5E7-4779-A99D-42908D6238E2}"/>
               </a:ext>
             </a:extLst>
           </p:cNvPr>
@@ -13819,7 +14913,7 @@
           <p:cNvPr id="29" name="Text Placeholder 28">
             <a:extLst>
               <a:ext uri="{FF2B5EF4-FFF2-40B4-BE49-F238E27FC236}">
-                <a16:creationId xmlns:a16="http://schemas.microsoft.com/office/drawing/2014/main" id="{13C6071B-8888-440B-AAE5-40C6907122AB}"/>
+                <a16:creationId xmlns:a16="http://schemas.microsoft.com/office/drawing/2014/main" xmlns="" id="{13C6071B-8888-440B-AAE5-40C6907122AB}"/>
               </a:ext>
             </a:extLst>
           </p:cNvPr>
@@ -13854,7 +14948,7 @@
           <p:cNvPr id="26" name="Text Placeholder 25">
             <a:extLst>
               <a:ext uri="{FF2B5EF4-FFF2-40B4-BE49-F238E27FC236}">
-                <a16:creationId xmlns:a16="http://schemas.microsoft.com/office/drawing/2014/main" id="{F69D33C6-6CF5-40B0-811E-522B582DD325}"/>
+                <a16:creationId xmlns:a16="http://schemas.microsoft.com/office/drawing/2014/main" xmlns="" id="{F69D33C6-6CF5-40B0-811E-522B582DD325}"/>
               </a:ext>
             </a:extLst>
           </p:cNvPr>
@@ -13883,7 +14977,7 @@
           <p:cNvPr id="30" name="Text Placeholder 29">
             <a:extLst>
               <a:ext uri="{FF2B5EF4-FFF2-40B4-BE49-F238E27FC236}">
-                <a16:creationId xmlns:a16="http://schemas.microsoft.com/office/drawing/2014/main" id="{9C3E6C95-C5C9-4536-9F8F-96F170FF333F}"/>
+                <a16:creationId xmlns:a16="http://schemas.microsoft.com/office/drawing/2014/main" xmlns="" id="{9C3E6C95-C5C9-4536-9F8F-96F170FF333F}"/>
               </a:ext>
             </a:extLst>
           </p:cNvPr>
@@ -13922,7 +15016,7 @@
           <p:cNvPr id="1028" name="Picture 4">
             <a:extLst>
               <a:ext uri="{FF2B5EF4-FFF2-40B4-BE49-F238E27FC236}">
-                <a16:creationId xmlns:a16="http://schemas.microsoft.com/office/drawing/2014/main" id="{4EA1FB9E-8A58-43B7-A63C-ED7D99B891A6}"/>
+                <a16:creationId xmlns:a16="http://schemas.microsoft.com/office/drawing/2014/main" xmlns="" id="{4EA1FB9E-8A58-43B7-A63C-ED7D99B891A6}"/>
               </a:ext>
             </a:extLst>
           </p:cNvPr>
@@ -13969,7 +15063,7 @@
           <p:cNvPr id="1032" name="Picture 8">
             <a:extLst>
               <a:ext uri="{FF2B5EF4-FFF2-40B4-BE49-F238E27FC236}">
-                <a16:creationId xmlns:a16="http://schemas.microsoft.com/office/drawing/2014/main" id="{385F31D3-B64E-418F-A83F-7E9A5401E5D8}"/>
+                <a16:creationId xmlns:a16="http://schemas.microsoft.com/office/drawing/2014/main" xmlns="" id="{385F31D3-B64E-418F-A83F-7E9A5401E5D8}"/>
               </a:ext>
             </a:extLst>
           </p:cNvPr>
@@ -14016,7 +15110,7 @@
           <p:cNvPr id="15" name="Picture 14">
             <a:extLst>
               <a:ext uri="{FF2B5EF4-FFF2-40B4-BE49-F238E27FC236}">
-                <a16:creationId xmlns:a16="http://schemas.microsoft.com/office/drawing/2014/main" id="{012A1A81-F618-4500-B753-47C8A1533C39}"/>
+                <a16:creationId xmlns:a16="http://schemas.microsoft.com/office/drawing/2014/main" xmlns="" id="{012A1A81-F618-4500-B753-47C8A1533C39}"/>
               </a:ext>
             </a:extLst>
           </p:cNvPr>
@@ -14051,18 +15145,25 @@
   <p:clrMapOvr>
     <a:masterClrMapping/>
   </p:clrMapOvr>
-  <mc:AlternateContent xmlns:mc="http://schemas.openxmlformats.org/markup-compatibility/2006">
-    <mc:Choice xmlns:p14="http://schemas.microsoft.com/office/powerpoint/2010/main" Requires="p14">
+  <mc:AlternateContent xmlns:mc="http://schemas.openxmlformats.org/markup-compatibility/2006" xmlns:p14="http://schemas.microsoft.com/office/powerpoint/2010/main">
+    <mc:Choice Requires="p14">
       <p:transition spd="med" p14:dur="700">
         <p:fade/>
       </p:transition>
     </mc:Choice>
-    <mc:Fallback>
+    <mc:Fallback xmlns="">
       <p:transition spd="med">
         <p:fade/>
       </p:transition>
     </mc:Fallback>
   </mc:AlternateContent>
+  <p:timing>
+    <p:tnLst>
+      <p:par>
+        <p:cTn id="1" dur="indefinite" restart="never" nodeType="tmRoot"/>
+      </p:par>
+    </p:tnLst>
+  </p:timing>
 </p:sld>
 </file>
 
@@ -14088,7 +15189,7 @@
           <p:cNvPr id="2" name="Title 1">
             <a:extLst>
               <a:ext uri="{FF2B5EF4-FFF2-40B4-BE49-F238E27FC236}">
-                <a16:creationId xmlns:a16="http://schemas.microsoft.com/office/drawing/2014/main" id="{9A6DE170-903D-4228-8173-2BE71F1FB6EB}"/>
+                <a16:creationId xmlns:a16="http://schemas.microsoft.com/office/drawing/2014/main" xmlns="" id="{9A6DE170-903D-4228-8173-2BE71F1FB6EB}"/>
               </a:ext>
             </a:extLst>
           </p:cNvPr>
@@ -14117,7 +15218,7 @@
           <p:cNvPr id="3" name="Content Placeholder 2">
             <a:extLst>
               <a:ext uri="{FF2B5EF4-FFF2-40B4-BE49-F238E27FC236}">
-                <a16:creationId xmlns:a16="http://schemas.microsoft.com/office/drawing/2014/main" id="{F5D81771-A0A9-4849-8F2C-56D9F50612B3}"/>
+                <a16:creationId xmlns:a16="http://schemas.microsoft.com/office/drawing/2014/main" xmlns="" id="{F5D81771-A0A9-4849-8F2C-56D9F50612B3}"/>
               </a:ext>
             </a:extLst>
           </p:cNvPr>
@@ -14178,7 +15279,7 @@
           <p:cNvPr id="4100" name="Picture 4" descr="Atlassian Jira and Jira Plugins - Porsche BG IT Support">
             <a:extLst>
               <a:ext uri="{FF2B5EF4-FFF2-40B4-BE49-F238E27FC236}">
-                <a16:creationId xmlns:a16="http://schemas.microsoft.com/office/drawing/2014/main" id="{5DE443AD-E638-4635-B657-A53BC909DB0B}"/>
+                <a16:creationId xmlns:a16="http://schemas.microsoft.com/office/drawing/2014/main" xmlns="" id="{5DE443AD-E638-4635-B657-A53BC909DB0B}"/>
               </a:ext>
             </a:extLst>
           </p:cNvPr>
@@ -14230,18 +15331,25 @@
   <p:clrMapOvr>
     <a:masterClrMapping/>
   </p:clrMapOvr>
-  <mc:AlternateContent xmlns:mc="http://schemas.openxmlformats.org/markup-compatibility/2006">
-    <mc:Choice xmlns:p14="http://schemas.microsoft.com/office/powerpoint/2010/main" Requires="p14">
+  <mc:AlternateContent xmlns:mc="http://schemas.openxmlformats.org/markup-compatibility/2006" xmlns:p14="http://schemas.microsoft.com/office/powerpoint/2010/main">
+    <mc:Choice Requires="p14">
       <p:transition spd="med" p14:dur="700">
         <p:fade/>
       </p:transition>
     </mc:Choice>
-    <mc:Fallback>
+    <mc:Fallback xmlns="">
       <p:transition spd="med">
         <p:fade/>
       </p:transition>
     </mc:Fallback>
   </mc:AlternateContent>
+  <p:timing>
+    <p:tnLst>
+      <p:par>
+        <p:cTn id="1" dur="indefinite" restart="never" nodeType="tmRoot"/>
+      </p:par>
+    </p:tnLst>
+  </p:timing>
 </p:sld>
 </file>
 
@@ -14267,7 +15375,7 @@
           <p:cNvPr id="2" name="Title 1">
             <a:extLst>
               <a:ext uri="{FF2B5EF4-FFF2-40B4-BE49-F238E27FC236}">
-                <a16:creationId xmlns:a16="http://schemas.microsoft.com/office/drawing/2014/main" id="{4F1677DB-77A2-4588-B2D6-CE5431405EA1}"/>
+                <a16:creationId xmlns:a16="http://schemas.microsoft.com/office/drawing/2014/main" xmlns="" id="{4F1677DB-77A2-4588-B2D6-CE5431405EA1}"/>
               </a:ext>
             </a:extLst>
           </p:cNvPr>
@@ -14292,6 +15400,10 @@
             <a:br>
               <a:rPr lang="bg-BG" dirty="0"/>
             </a:br>
+            <a:r>
+              <a:rPr lang="bg-BG" dirty="0"/>
+              <a:t/>
+            </a:r>
             <a:br>
               <a:rPr lang="bg-BG" dirty="0"/>
             </a:br>
@@ -14304,7 +15416,7 @@
           <p:cNvPr id="2050" name="Picture 2">
             <a:extLst>
               <a:ext uri="{FF2B5EF4-FFF2-40B4-BE49-F238E27FC236}">
-                <a16:creationId xmlns:a16="http://schemas.microsoft.com/office/drawing/2014/main" id="{2ED26382-3A0C-4B95-BAA1-DAE6B286C31E}"/>
+                <a16:creationId xmlns:a16="http://schemas.microsoft.com/office/drawing/2014/main" xmlns="" id="{2ED26382-3A0C-4B95-BAA1-DAE6B286C31E}"/>
               </a:ext>
             </a:extLst>
           </p:cNvPr>
@@ -14358,18 +15470,25 @@
   <p:clrMapOvr>
     <a:masterClrMapping/>
   </p:clrMapOvr>
-  <mc:AlternateContent xmlns:mc="http://schemas.openxmlformats.org/markup-compatibility/2006">
-    <mc:Choice xmlns:p14="http://schemas.microsoft.com/office/powerpoint/2010/main" Requires="p14">
+  <mc:AlternateContent xmlns:mc="http://schemas.openxmlformats.org/markup-compatibility/2006" xmlns:p14="http://schemas.microsoft.com/office/powerpoint/2010/main">
+    <mc:Choice Requires="p14">
       <p:transition spd="med" p14:dur="700">
         <p:fade/>
       </p:transition>
     </mc:Choice>
-    <mc:Fallback>
+    <mc:Fallback xmlns="">
       <p:transition spd="med">
         <p:fade/>
       </p:transition>
     </mc:Fallback>
   </mc:AlternateContent>
+  <p:timing>
+    <p:tnLst>
+      <p:par>
+        <p:cTn id="1" dur="indefinite" restart="never" nodeType="tmRoot"/>
+      </p:par>
+    </p:tnLst>
+  </p:timing>
 </p:sld>
 </file>
 
@@ -14395,7 +15514,7 @@
           <p:cNvPr id="2" name="Title 1">
             <a:extLst>
               <a:ext uri="{FF2B5EF4-FFF2-40B4-BE49-F238E27FC236}">
-                <a16:creationId xmlns:a16="http://schemas.microsoft.com/office/drawing/2014/main" id="{72514E0E-A35E-40E7-B4CB-2B4214E795FB}"/>
+                <a16:creationId xmlns:a16="http://schemas.microsoft.com/office/drawing/2014/main" xmlns="" id="{72514E0E-A35E-40E7-B4CB-2B4214E795FB}"/>
               </a:ext>
             </a:extLst>
           </p:cNvPr>
@@ -14424,7 +15543,7 @@
           <p:cNvPr id="3" name="Content Placeholder 2">
             <a:extLst>
               <a:ext uri="{FF2B5EF4-FFF2-40B4-BE49-F238E27FC236}">
-                <a16:creationId xmlns:a16="http://schemas.microsoft.com/office/drawing/2014/main" id="{B88B9ED9-9F09-4A14-8A82-72390E9B41EB}"/>
+                <a16:creationId xmlns:a16="http://schemas.microsoft.com/office/drawing/2014/main" xmlns="" id="{B88B9ED9-9F09-4A14-8A82-72390E9B41EB}"/>
               </a:ext>
             </a:extLst>
           </p:cNvPr>
@@ -14524,7 +15643,7 @@
           <p:cNvPr id="3078" name="Picture 6">
             <a:extLst>
               <a:ext uri="{FF2B5EF4-FFF2-40B4-BE49-F238E27FC236}">
-                <a16:creationId xmlns:a16="http://schemas.microsoft.com/office/drawing/2014/main" id="{2F0580CB-95F0-4F0D-8433-12CBC112552C}"/>
+                <a16:creationId xmlns:a16="http://schemas.microsoft.com/office/drawing/2014/main" xmlns="" id="{2F0580CB-95F0-4F0D-8433-12CBC112552C}"/>
               </a:ext>
             </a:extLst>
           </p:cNvPr>
@@ -14576,18 +15695,25 @@
   <p:clrMapOvr>
     <a:masterClrMapping/>
   </p:clrMapOvr>
-  <mc:AlternateContent xmlns:mc="http://schemas.openxmlformats.org/markup-compatibility/2006">
-    <mc:Choice xmlns:p14="http://schemas.microsoft.com/office/powerpoint/2010/main" Requires="p14">
+  <mc:AlternateContent xmlns:mc="http://schemas.openxmlformats.org/markup-compatibility/2006" xmlns:p14="http://schemas.microsoft.com/office/powerpoint/2010/main">
+    <mc:Choice Requires="p14">
       <p:transition spd="med" p14:dur="700">
         <p:fade/>
       </p:transition>
     </mc:Choice>
-    <mc:Fallback>
+    <mc:Fallback xmlns="">
       <p:transition spd="med">
         <p:fade/>
       </p:transition>
     </mc:Fallback>
   </mc:AlternateContent>
+  <p:timing>
+    <p:tnLst>
+      <p:par>
+        <p:cTn id="1" dur="indefinite" restart="never" nodeType="tmRoot"/>
+      </p:par>
+    </p:tnLst>
+  </p:timing>
 </p:sld>
 </file>
 
@@ -14613,7 +15739,7 @@
           <p:cNvPr id="2" name="Title 1">
             <a:extLst>
               <a:ext uri="{FF2B5EF4-FFF2-40B4-BE49-F238E27FC236}">
-                <a16:creationId xmlns:a16="http://schemas.microsoft.com/office/drawing/2014/main" id="{481FE635-D361-4C84-B856-4F04B855DA1D}"/>
+                <a16:creationId xmlns:a16="http://schemas.microsoft.com/office/drawing/2014/main" xmlns="" id="{481FE635-D361-4C84-B856-4F04B855DA1D}"/>
               </a:ext>
             </a:extLst>
           </p:cNvPr>
@@ -14650,7 +15776,7 @@
           <p:cNvPr id="3" name="Content Placeholder 2">
             <a:extLst>
               <a:ext uri="{FF2B5EF4-FFF2-40B4-BE49-F238E27FC236}">
-                <a16:creationId xmlns:a16="http://schemas.microsoft.com/office/drawing/2014/main" id="{69800B02-D286-42BA-958C-FC6A96412869}"/>
+                <a16:creationId xmlns:a16="http://schemas.microsoft.com/office/drawing/2014/main" xmlns="" id="{69800B02-D286-42BA-958C-FC6A96412869}"/>
               </a:ext>
             </a:extLst>
           </p:cNvPr>
@@ -14699,7 +15825,7 @@
           <p:cNvPr id="4" name="Content Placeholder 2">
             <a:extLst>
               <a:ext uri="{FF2B5EF4-FFF2-40B4-BE49-F238E27FC236}">
-                <a16:creationId xmlns:a16="http://schemas.microsoft.com/office/drawing/2014/main" id="{E9920E93-77D0-42A1-8036-148DC2966D96}"/>
+                <a16:creationId xmlns:a16="http://schemas.microsoft.com/office/drawing/2014/main" xmlns="" id="{E9920E93-77D0-42A1-8036-148DC2966D96}"/>
               </a:ext>
             </a:extLst>
           </p:cNvPr>
@@ -14925,18 +16051,25 @@
   <p:clrMapOvr>
     <a:masterClrMapping/>
   </p:clrMapOvr>
-  <mc:AlternateContent xmlns:mc="http://schemas.openxmlformats.org/markup-compatibility/2006">
-    <mc:Choice xmlns:p14="http://schemas.microsoft.com/office/powerpoint/2010/main" Requires="p14">
+  <mc:AlternateContent xmlns:mc="http://schemas.openxmlformats.org/markup-compatibility/2006" xmlns:p14="http://schemas.microsoft.com/office/powerpoint/2010/main">
+    <mc:Choice Requires="p14">
       <p:transition spd="med" p14:dur="700">
         <p:fade/>
       </p:transition>
     </mc:Choice>
-    <mc:Fallback>
+    <mc:Fallback xmlns="">
       <p:transition spd="med">
         <p:fade/>
       </p:transition>
     </mc:Fallback>
   </mc:AlternateContent>
+  <p:timing>
+    <p:tnLst>
+      <p:par>
+        <p:cTn id="1" dur="indefinite" restart="never" nodeType="tmRoot"/>
+      </p:par>
+    </p:tnLst>
+  </p:timing>
 </p:sld>
 </file>
 
@@ -14962,7 +16095,7 @@
           <p:cNvPr id="2" name="Title 1">
             <a:extLst>
               <a:ext uri="{FF2B5EF4-FFF2-40B4-BE49-F238E27FC236}">
-                <a16:creationId xmlns:a16="http://schemas.microsoft.com/office/drawing/2014/main" id="{69586A7A-F166-40A9-BD17-0822B5DD8A71}"/>
+                <a16:creationId xmlns:a16="http://schemas.microsoft.com/office/drawing/2014/main" xmlns="" id="{69586A7A-F166-40A9-BD17-0822B5DD8A71}"/>
               </a:ext>
             </a:extLst>
           </p:cNvPr>
@@ -14991,7 +16124,7 @@
           <p:cNvPr id="5122" name="Picture 2">
             <a:extLst>
               <a:ext uri="{FF2B5EF4-FFF2-40B4-BE49-F238E27FC236}">
-                <a16:creationId xmlns:a16="http://schemas.microsoft.com/office/drawing/2014/main" id="{C481C45D-35DB-4413-804C-6DCCB067E1C1}"/>
+                <a16:creationId xmlns:a16="http://schemas.microsoft.com/office/drawing/2014/main" xmlns="" id="{C481C45D-35DB-4413-804C-6DCCB067E1C1}"/>
               </a:ext>
             </a:extLst>
           </p:cNvPr>
@@ -15040,7 +16173,7 @@
           <p:cNvPr id="5124" name="Picture 4">
             <a:extLst>
               <a:ext uri="{FF2B5EF4-FFF2-40B4-BE49-F238E27FC236}">
-                <a16:creationId xmlns:a16="http://schemas.microsoft.com/office/drawing/2014/main" id="{846968FA-0BDD-4278-B028-7D9C8E8AE27B}"/>
+                <a16:creationId xmlns:a16="http://schemas.microsoft.com/office/drawing/2014/main" xmlns="" id="{846968FA-0BDD-4278-B028-7D9C8E8AE27B}"/>
               </a:ext>
             </a:extLst>
           </p:cNvPr>
@@ -15087,7 +16220,7 @@
           <p:cNvPr id="5126" name="Picture 6">
             <a:extLst>
               <a:ext uri="{FF2B5EF4-FFF2-40B4-BE49-F238E27FC236}">
-                <a16:creationId xmlns:a16="http://schemas.microsoft.com/office/drawing/2014/main" id="{149F423F-361B-4BF9-9B79-3FE229CE3DE2}"/>
+                <a16:creationId xmlns:a16="http://schemas.microsoft.com/office/drawing/2014/main" xmlns="" id="{149F423F-361B-4BF9-9B79-3FE229CE3DE2}"/>
               </a:ext>
             </a:extLst>
           </p:cNvPr>
@@ -15134,7 +16267,7 @@
           <p:cNvPr id="5128" name="Picture 8">
             <a:extLst>
               <a:ext uri="{FF2B5EF4-FFF2-40B4-BE49-F238E27FC236}">
-                <a16:creationId xmlns:a16="http://schemas.microsoft.com/office/drawing/2014/main" id="{CED64635-ADB2-4107-A3DF-BAFF0B27625E}"/>
+                <a16:creationId xmlns:a16="http://schemas.microsoft.com/office/drawing/2014/main" xmlns="" id="{CED64635-ADB2-4107-A3DF-BAFF0B27625E}"/>
               </a:ext>
             </a:extLst>
           </p:cNvPr>
@@ -15181,7 +16314,7 @@
           <p:cNvPr id="5130" name="Picture 10">
             <a:extLst>
               <a:ext uri="{FF2B5EF4-FFF2-40B4-BE49-F238E27FC236}">
-                <a16:creationId xmlns:a16="http://schemas.microsoft.com/office/drawing/2014/main" id="{03DC8AB9-CF4D-4C21-9869-F2731480DD22}"/>
+                <a16:creationId xmlns:a16="http://schemas.microsoft.com/office/drawing/2014/main" xmlns="" id="{03DC8AB9-CF4D-4C21-9869-F2731480DD22}"/>
               </a:ext>
             </a:extLst>
           </p:cNvPr>
@@ -15228,7 +16361,7 @@
           <p:cNvPr id="5132" name="Picture 12">
             <a:extLst>
               <a:ext uri="{FF2B5EF4-FFF2-40B4-BE49-F238E27FC236}">
-                <a16:creationId xmlns:a16="http://schemas.microsoft.com/office/drawing/2014/main" id="{8AA6EED0-EB81-41BA-8BAF-188641E3BCFD}"/>
+                <a16:creationId xmlns:a16="http://schemas.microsoft.com/office/drawing/2014/main" xmlns="" id="{8AA6EED0-EB81-41BA-8BAF-188641E3BCFD}"/>
               </a:ext>
             </a:extLst>
           </p:cNvPr>
@@ -15275,7 +16408,7 @@
           <p:cNvPr id="5136" name="Picture 16">
             <a:extLst>
               <a:ext uri="{FF2B5EF4-FFF2-40B4-BE49-F238E27FC236}">
-                <a16:creationId xmlns:a16="http://schemas.microsoft.com/office/drawing/2014/main" id="{0D344F4B-22A4-4F17-91C2-DCAF4A6636E9}"/>
+                <a16:creationId xmlns:a16="http://schemas.microsoft.com/office/drawing/2014/main" xmlns="" id="{0D344F4B-22A4-4F17-91C2-DCAF4A6636E9}"/>
               </a:ext>
             </a:extLst>
           </p:cNvPr>
@@ -15322,7 +16455,7 @@
           <p:cNvPr id="5138" name="Picture 18">
             <a:extLst>
               <a:ext uri="{FF2B5EF4-FFF2-40B4-BE49-F238E27FC236}">
-                <a16:creationId xmlns:a16="http://schemas.microsoft.com/office/drawing/2014/main" id="{504F225A-717F-4EBA-9542-3714DCA3787E}"/>
+                <a16:creationId xmlns:a16="http://schemas.microsoft.com/office/drawing/2014/main" xmlns="" id="{504F225A-717F-4EBA-9542-3714DCA3787E}"/>
               </a:ext>
             </a:extLst>
           </p:cNvPr>
@@ -15369,7 +16502,7 @@
           <p:cNvPr id="5140" name="Picture 20" descr="JUnit 5">
             <a:extLst>
               <a:ext uri="{FF2B5EF4-FFF2-40B4-BE49-F238E27FC236}">
-                <a16:creationId xmlns:a16="http://schemas.microsoft.com/office/drawing/2014/main" id="{A04A9489-B199-42BA-8F5D-8B17B86C57B3}"/>
+                <a16:creationId xmlns:a16="http://schemas.microsoft.com/office/drawing/2014/main" xmlns="" id="{A04A9489-B199-42BA-8F5D-8B17B86C57B3}"/>
               </a:ext>
             </a:extLst>
           </p:cNvPr>
@@ -15416,7 +16549,7 @@
           <p:cNvPr id="5142" name="Picture 22" descr="Image Result For Css3 Icon - Css Logo Transparent Background, HD Png  Download - Full Size Transparent Png for free (#1937198) - PNGIX">
             <a:extLst>
               <a:ext uri="{FF2B5EF4-FFF2-40B4-BE49-F238E27FC236}">
-                <a16:creationId xmlns:a16="http://schemas.microsoft.com/office/drawing/2014/main" id="{03E1B522-17B4-4967-80A8-B5F7055D2702}"/>
+                <a16:creationId xmlns:a16="http://schemas.microsoft.com/office/drawing/2014/main" xmlns="" id="{03E1B522-17B4-4967-80A8-B5F7055D2702}"/>
               </a:ext>
             </a:extLst>
           </p:cNvPr>
@@ -15468,18 +16601,25 @@
   <p:clrMapOvr>
     <a:masterClrMapping/>
   </p:clrMapOvr>
-  <mc:AlternateContent xmlns:mc="http://schemas.openxmlformats.org/markup-compatibility/2006">
-    <mc:Choice xmlns:p14="http://schemas.microsoft.com/office/powerpoint/2010/main" Requires="p14">
+  <mc:AlternateContent xmlns:mc="http://schemas.openxmlformats.org/markup-compatibility/2006" xmlns:p14="http://schemas.microsoft.com/office/powerpoint/2010/main">
+    <mc:Choice Requires="p14">
       <p:transition spd="med" p14:dur="700">
         <p:fade/>
       </p:transition>
     </mc:Choice>
-    <mc:Fallback>
+    <mc:Fallback xmlns="">
       <p:transition spd="med">
         <p:fade/>
       </p:transition>
     </mc:Fallback>
   </mc:AlternateContent>
+  <p:timing>
+    <p:tnLst>
+      <p:par>
+        <p:cTn id="1" dur="indefinite" restart="never" nodeType="tmRoot"/>
+      </p:par>
+    </p:tnLst>
+  </p:timing>
 </p:sld>
 </file>
 
@@ -15505,7 +16645,7 @@
           <p:cNvPr id="2" name="Title 1">
             <a:extLst>
               <a:ext uri="{FF2B5EF4-FFF2-40B4-BE49-F238E27FC236}">
-                <a16:creationId xmlns:a16="http://schemas.microsoft.com/office/drawing/2014/main" id="{6298661C-0E22-4830-9713-A881B89062E6}"/>
+                <a16:creationId xmlns:a16="http://schemas.microsoft.com/office/drawing/2014/main" xmlns="" id="{6298661C-0E22-4830-9713-A881B89062E6}"/>
               </a:ext>
             </a:extLst>
           </p:cNvPr>
@@ -15516,11 +16656,17 @@
             <p:ph type="title"/>
           </p:nvPr>
         </p:nvSpPr>
-        <p:spPr/>
+        <p:spPr>
+          <a:xfrm>
+            <a:off x="1182234" y="300111"/>
+            <a:ext cx="9905998" cy="1478570"/>
+          </a:xfrm>
+        </p:spPr>
         <p:txBody>
           <a:bodyPr/>
           <a:lstStyle/>
           <a:p>
+            <a:pPr algn="ctr"/>
             <a:r>
               <a:rPr lang="bg-BG" dirty="0"/>
               <a:t>Разпределение на работата и времеви отчет</a:t>
@@ -15531,19 +16677,11 @@
       </p:sp>
       <p:pic>
         <p:nvPicPr>
-          <p:cNvPr id="6146" name="Picture 2">
-            <a:extLst>
-              <a:ext uri="{FF2B5EF4-FFF2-40B4-BE49-F238E27FC236}">
-                <a16:creationId xmlns:a16="http://schemas.microsoft.com/office/drawing/2014/main" id="{1A53EFAA-4D4D-4A54-8288-A4636C6A3189}"/>
-              </a:ext>
-            </a:extLst>
-          </p:cNvPr>
+          <p:cNvPr id="1026" name="Picture 2"/>
           <p:cNvPicPr>
-            <a:picLocks noGrp="1" noChangeAspect="1" noChangeArrowheads="1"/>
+            <a:picLocks noChangeAspect="1" noChangeArrowheads="1"/>
           </p:cNvPicPr>
-          <p:nvPr>
-            <p:ph idx="1"/>
-          </p:nvPr>
+          <p:nvPr/>
         </p:nvPicPr>
         <p:blipFill>
           <a:blip r:embed="rId2">
@@ -15560,20 +16698,43 @@
         </p:blipFill>
         <p:spPr bwMode="auto">
           <a:xfrm>
-            <a:off x="2006352" y="1864311"/>
-            <a:ext cx="7901127" cy="4375171"/>
+            <a:off x="1673679" y="1804308"/>
+            <a:ext cx="8401049" cy="4474028"/>
           </a:xfrm>
           <a:prstGeom prst="rect">
             <a:avLst/>
           </a:prstGeom>
           <a:noFill/>
+          <a:ln>
+            <a:noFill/>
+          </a:ln>
+          <a:effectLst/>
           <a:extLst>
             <a:ext uri="{909E8E84-426E-40DD-AFC4-6F175D3DCCD1}">
               <a14:hiddenFill xmlns:a14="http://schemas.microsoft.com/office/drawing/2010/main">
                 <a:solidFill>
-                  <a:srgbClr val="FFFFFF"/>
+                  <a:schemeClr val="accent1"/>
                 </a:solidFill>
               </a14:hiddenFill>
+            </a:ext>
+            <a:ext uri="{91240B29-F687-4F45-9708-019B960494DF}">
+              <a14:hiddenLine xmlns:a14="http://schemas.microsoft.com/office/drawing/2010/main" w="9525">
+                <a:solidFill>
+                  <a:schemeClr val="tx1"/>
+                </a:solidFill>
+                <a:miter lim="800000"/>
+                <a:headEnd/>
+                <a:tailEnd/>
+              </a14:hiddenLine>
+            </a:ext>
+            <a:ext uri="{AF507438-7753-43E0-B8FC-AC1667EBCBE1}">
+              <a14:hiddenEffects xmlns:a14="http://schemas.microsoft.com/office/drawing/2010/main">
+                <a:effectLst>
+                  <a:outerShdw dist="35921" dir="2700000" algn="ctr" rotWithShape="0">
+                    <a:schemeClr val="bg2"/>
+                  </a:outerShdw>
+                </a:effectLst>
+              </a14:hiddenEffects>
             </a:ext>
           </a:extLst>
         </p:spPr>
@@ -15588,18 +16749,25 @@
   <p:clrMapOvr>
     <a:masterClrMapping/>
   </p:clrMapOvr>
-  <mc:AlternateContent xmlns:mc="http://schemas.openxmlformats.org/markup-compatibility/2006">
-    <mc:Choice xmlns:p14="http://schemas.microsoft.com/office/powerpoint/2010/main" Requires="p14">
+  <mc:AlternateContent xmlns:mc="http://schemas.openxmlformats.org/markup-compatibility/2006" xmlns:p14="http://schemas.microsoft.com/office/powerpoint/2010/main">
+    <mc:Choice Requires="p14">
       <p:transition spd="med" p14:dur="700">
         <p:fade/>
       </p:transition>
     </mc:Choice>
-    <mc:Fallback>
+    <mc:Fallback xmlns="">
       <p:transition spd="med">
         <p:fade/>
       </p:transition>
     </mc:Fallback>
   </mc:AlternateContent>
+  <p:timing>
+    <p:tnLst>
+      <p:par>
+        <p:cTn id="1" dur="indefinite" restart="never" nodeType="tmRoot"/>
+      </p:par>
+    </p:tnLst>
+  </p:timing>
 </p:sld>
 </file>
 
@@ -15646,7 +16814,7 @@
     </a:clrScheme>
     <a:fontScheme name="Circuit">
       <a:majorFont>
-        <a:latin typeface="Tw Cen MT" panose="020B0602020104020603"/>
+        <a:latin typeface="Tw Cen MT"/>
         <a:ea typeface=""/>
         <a:cs typeface=""/>
         <a:font script="Jpan" typeface="ＭＳ Ｐゴシック"/>
@@ -15681,7 +16849,7 @@
         <a:font script="Geor" typeface="Sylfaen"/>
       </a:majorFont>
       <a:minorFont>
-        <a:latin typeface="Tw Cen MT" panose="020B0602020104020603"/>
+        <a:latin typeface="Tw Cen MT"/>
         <a:ea typeface=""/>
         <a:cs typeface=""/>
         <a:font script="Jpan" typeface="ＭＳ Ｐゴシック"/>
@@ -15848,7 +17016,7 @@
   <a:extraClrSchemeLst/>
   <a:extLst>
     <a:ext uri="{05A4C25C-085E-4340-85A3-A5531E510DB2}">
-      <thm15:themeFamily xmlns:thm15="http://schemas.microsoft.com/office/thememl/2012/main" name="Circuit" id="{0AC2F7E7-15F5-431C-B2A2-456FE929F56C}" vid="{14971C58-AB76-4A2A-B231-5F8CA03CF491}"/>
+      <thm15:themeFamily xmlns:thm15="http://schemas.microsoft.com/office/thememl/2012/main" xmlns="" name="Circuit" id="{0AC2F7E7-15F5-431C-B2A2-456FE929F56C}" vid="{14971C58-AB76-4A2A-B231-5F8CA03CF491}"/>
     </a:ext>
   </a:extLst>
 </a:theme>
